--- a/修論/本文0117/figure/fig_2_3_GS_setup.pptx
+++ b/修論/本文0117/figure/fig_2_3_GS_setup.pptx
@@ -197,7 +197,7 @@
           <a:p>
             <a:fld id="{89EB5C82-AEC6-4FE6-8043-B4F61A8A44F1}" type="datetimeFigureOut">
               <a:rPr kumimoji="1" lang="ja-JP" altLang="en-US" smtClean="0"/>
-              <a:t>2019/1/10</a:t>
+              <a:t>2019/1/25</a:t>
             </a:fld>
             <a:endParaRPr kumimoji="1" lang="ja-JP" altLang="en-US"/>
           </a:p>
@@ -625,7 +625,7 @@
           <a:p>
             <a:fld id="{1A07417B-165A-4DCF-9553-23C07ABDE8BF}" type="datetime1">
               <a:rPr kumimoji="1" lang="ja-JP" altLang="en-US" smtClean="0"/>
-              <a:t>2019/1/10</a:t>
+              <a:t>2019/1/25</a:t>
             </a:fld>
             <a:endParaRPr kumimoji="1" lang="ja-JP" altLang="en-US"/>
           </a:p>
@@ -825,7 +825,7 @@
           <a:p>
             <a:fld id="{5F49FB31-C5C7-4B82-9E07-4EEBA70644B5}" type="datetime1">
               <a:rPr kumimoji="1" lang="ja-JP" altLang="en-US" smtClean="0"/>
-              <a:t>2019/1/10</a:t>
+              <a:t>2019/1/25</a:t>
             </a:fld>
             <a:endParaRPr kumimoji="1" lang="ja-JP" altLang="en-US"/>
           </a:p>
@@ -1035,7 +1035,7 @@
           <a:p>
             <a:fld id="{8889D364-F9EE-4DF6-A2F2-A4C419A4C37F}" type="datetime1">
               <a:rPr kumimoji="1" lang="ja-JP" altLang="en-US" smtClean="0"/>
-              <a:t>2019/1/10</a:t>
+              <a:t>2019/1/25</a:t>
             </a:fld>
             <a:endParaRPr kumimoji="1" lang="ja-JP" altLang="en-US"/>
           </a:p>
@@ -1245,7 +1245,7 @@
           <a:p>
             <a:fld id="{A1231B2E-EC4D-405E-BD66-51B1FB74ADC5}" type="datetime1">
               <a:rPr kumimoji="1" lang="ja-JP" altLang="en-US" smtClean="0"/>
-              <a:t>2019/1/10</a:t>
+              <a:t>2019/1/25</a:t>
             </a:fld>
             <a:endParaRPr kumimoji="1" lang="ja-JP" altLang="en-US"/>
           </a:p>
@@ -1490,7 +1490,7 @@
           <a:p>
             <a:fld id="{2C8BC571-661A-4B57-BB04-1AEC8E64FC37}" type="datetime1">
               <a:rPr kumimoji="1" lang="ja-JP" altLang="en-US" smtClean="0"/>
-              <a:t>2019/1/10</a:t>
+              <a:t>2019/1/25</a:t>
             </a:fld>
             <a:endParaRPr kumimoji="1" lang="ja-JP" altLang="en-US"/>
           </a:p>
@@ -1784,7 +1784,7 @@
           <a:p>
             <a:fld id="{284E353B-4A11-4114-BE3E-7E98B266C08A}" type="datetime1">
               <a:rPr kumimoji="1" lang="ja-JP" altLang="en-US" smtClean="0"/>
-              <a:t>2019/1/10</a:t>
+              <a:t>2019/1/25</a:t>
             </a:fld>
             <a:endParaRPr kumimoji="1" lang="ja-JP" altLang="en-US"/>
           </a:p>
@@ -2212,7 +2212,7 @@
           <a:p>
             <a:fld id="{808964D2-E5C1-41F8-8E37-7B0EBA472178}" type="datetime1">
               <a:rPr kumimoji="1" lang="ja-JP" altLang="en-US" smtClean="0"/>
-              <a:t>2019/1/10</a:t>
+              <a:t>2019/1/25</a:t>
             </a:fld>
             <a:endParaRPr kumimoji="1" lang="ja-JP" altLang="en-US"/>
           </a:p>
@@ -2329,7 +2329,7 @@
           <a:p>
             <a:fld id="{4B875656-4F4D-4F02-97D2-FC9F0E4F8368}" type="datetime1">
               <a:rPr kumimoji="1" lang="ja-JP" altLang="en-US" smtClean="0"/>
-              <a:t>2019/1/10</a:t>
+              <a:t>2019/1/25</a:t>
             </a:fld>
             <a:endParaRPr kumimoji="1" lang="ja-JP" altLang="en-US"/>
           </a:p>
@@ -2424,7 +2424,7 @@
           <a:p>
             <a:fld id="{70D4612A-A498-4280-8EC8-C137A91BA00E}" type="datetime1">
               <a:rPr kumimoji="1" lang="ja-JP" altLang="en-US" smtClean="0"/>
-              <a:t>2019/1/10</a:t>
+              <a:t>2019/1/25</a:t>
             </a:fld>
             <a:endParaRPr kumimoji="1" lang="ja-JP" altLang="en-US"/>
           </a:p>
@@ -2731,7 +2731,7 @@
           <a:p>
             <a:fld id="{7E544A3A-F8B4-46B6-A7F4-BA104F47089F}" type="datetime1">
               <a:rPr kumimoji="1" lang="ja-JP" altLang="en-US" smtClean="0"/>
-              <a:t>2019/1/10</a:t>
+              <a:t>2019/1/25</a:t>
             </a:fld>
             <a:endParaRPr kumimoji="1" lang="ja-JP" altLang="en-US"/>
           </a:p>
@@ -2986,7 +2986,7 @@
           <a:p>
             <a:fld id="{5C61A693-3EB2-40E5-944F-A15C15D15CE8}" type="datetime1">
               <a:rPr kumimoji="1" lang="ja-JP" altLang="en-US" smtClean="0"/>
-              <a:t>2019/1/10</a:t>
+              <a:t>2019/1/25</a:t>
             </a:fld>
             <a:endParaRPr kumimoji="1" lang="ja-JP" altLang="en-US"/>
           </a:p>
@@ -3229,7 +3229,7 @@
           <a:p>
             <a:fld id="{54F798B4-40B9-4467-83D0-F475F97608DD}" type="datetime1">
               <a:rPr kumimoji="1" lang="ja-JP" altLang="en-US" smtClean="0"/>
-              <a:t>2019/1/10</a:t>
+              <a:t>2019/1/25</a:t>
             </a:fld>
             <a:endParaRPr kumimoji="1" lang="ja-JP" altLang="en-US"/>
           </a:p>
@@ -4949,7 +4949,7 @@
                 <a:latin typeface="Arial" panose="020B0604020202020204" pitchFamily="34" charset="0"/>
                 <a:cs typeface="Arial" panose="020B0604020202020204" pitchFamily="34" charset="0"/>
               </a:rPr>
-              <a:t>: 90 GHz</a:t>
+              <a:t>: 50 GHz</a:t>
             </a:r>
           </a:p>
         </p:txBody>

--- a/修論/本文0117/figure/fig_2_3_GS_setup.pptx
+++ b/修論/本文0117/figure/fig_2_3_GS_setup.pptx
@@ -5,10 +5,12 @@
     <p:sldMasterId id="2147483648" r:id="rId1"/>
   </p:sldMasterIdLst>
   <p:notesMasterIdLst>
-    <p:notesMasterId r:id="rId3"/>
+    <p:notesMasterId r:id="rId5"/>
   </p:notesMasterIdLst>
   <p:sldIdLst>
     <p:sldId id="269" r:id="rId2"/>
+    <p:sldId id="270" r:id="rId3"/>
+    <p:sldId id="271" r:id="rId4"/>
   </p:sldIdLst>
   <p:sldSz cx="9144000" cy="6858000" type="screen4x3"/>
   <p:notesSz cx="6858000" cy="9144000"/>
@@ -197,7 +199,7 @@
           <a:p>
             <a:fld id="{89EB5C82-AEC6-4FE6-8043-B4F61A8A44F1}" type="datetimeFigureOut">
               <a:rPr kumimoji="1" lang="ja-JP" altLang="en-US" smtClean="0"/>
-              <a:t>2019/1/25</a:t>
+              <a:t>2019/1/31</a:t>
             </a:fld>
             <a:endParaRPr kumimoji="1" lang="ja-JP" altLang="en-US"/>
           </a:p>
@@ -625,7 +627,7 @@
           <a:p>
             <a:fld id="{1A07417B-165A-4DCF-9553-23C07ABDE8BF}" type="datetime1">
               <a:rPr kumimoji="1" lang="ja-JP" altLang="en-US" smtClean="0"/>
-              <a:t>2019/1/25</a:t>
+              <a:t>2019/1/31</a:t>
             </a:fld>
             <a:endParaRPr kumimoji="1" lang="ja-JP" altLang="en-US"/>
           </a:p>
@@ -825,7 +827,7 @@
           <a:p>
             <a:fld id="{5F49FB31-C5C7-4B82-9E07-4EEBA70644B5}" type="datetime1">
               <a:rPr kumimoji="1" lang="ja-JP" altLang="en-US" smtClean="0"/>
-              <a:t>2019/1/25</a:t>
+              <a:t>2019/1/31</a:t>
             </a:fld>
             <a:endParaRPr kumimoji="1" lang="ja-JP" altLang="en-US"/>
           </a:p>
@@ -1035,7 +1037,7 @@
           <a:p>
             <a:fld id="{8889D364-F9EE-4DF6-A2F2-A4C419A4C37F}" type="datetime1">
               <a:rPr kumimoji="1" lang="ja-JP" altLang="en-US" smtClean="0"/>
-              <a:t>2019/1/25</a:t>
+              <a:t>2019/1/31</a:t>
             </a:fld>
             <a:endParaRPr kumimoji="1" lang="ja-JP" altLang="en-US"/>
           </a:p>
@@ -1245,7 +1247,7 @@
           <a:p>
             <a:fld id="{A1231B2E-EC4D-405E-BD66-51B1FB74ADC5}" type="datetime1">
               <a:rPr kumimoji="1" lang="ja-JP" altLang="en-US" smtClean="0"/>
-              <a:t>2019/1/25</a:t>
+              <a:t>2019/1/31</a:t>
             </a:fld>
             <a:endParaRPr kumimoji="1" lang="ja-JP" altLang="en-US"/>
           </a:p>
@@ -1490,7 +1492,7 @@
           <a:p>
             <a:fld id="{2C8BC571-661A-4B57-BB04-1AEC8E64FC37}" type="datetime1">
               <a:rPr kumimoji="1" lang="ja-JP" altLang="en-US" smtClean="0"/>
-              <a:t>2019/1/25</a:t>
+              <a:t>2019/1/31</a:t>
             </a:fld>
             <a:endParaRPr kumimoji="1" lang="ja-JP" altLang="en-US"/>
           </a:p>
@@ -1784,7 +1786,7 @@
           <a:p>
             <a:fld id="{284E353B-4A11-4114-BE3E-7E98B266C08A}" type="datetime1">
               <a:rPr kumimoji="1" lang="ja-JP" altLang="en-US" smtClean="0"/>
-              <a:t>2019/1/25</a:t>
+              <a:t>2019/1/31</a:t>
             </a:fld>
             <a:endParaRPr kumimoji="1" lang="ja-JP" altLang="en-US"/>
           </a:p>
@@ -2212,7 +2214,7 @@
           <a:p>
             <a:fld id="{808964D2-E5C1-41F8-8E37-7B0EBA472178}" type="datetime1">
               <a:rPr kumimoji="1" lang="ja-JP" altLang="en-US" smtClean="0"/>
-              <a:t>2019/1/25</a:t>
+              <a:t>2019/1/31</a:t>
             </a:fld>
             <a:endParaRPr kumimoji="1" lang="ja-JP" altLang="en-US"/>
           </a:p>
@@ -2329,7 +2331,7 @@
           <a:p>
             <a:fld id="{4B875656-4F4D-4F02-97D2-FC9F0E4F8368}" type="datetime1">
               <a:rPr kumimoji="1" lang="ja-JP" altLang="en-US" smtClean="0"/>
-              <a:t>2019/1/25</a:t>
+              <a:t>2019/1/31</a:t>
             </a:fld>
             <a:endParaRPr kumimoji="1" lang="ja-JP" altLang="en-US"/>
           </a:p>
@@ -2424,7 +2426,7 @@
           <a:p>
             <a:fld id="{70D4612A-A498-4280-8EC8-C137A91BA00E}" type="datetime1">
               <a:rPr kumimoji="1" lang="ja-JP" altLang="en-US" smtClean="0"/>
-              <a:t>2019/1/25</a:t>
+              <a:t>2019/1/31</a:t>
             </a:fld>
             <a:endParaRPr kumimoji="1" lang="ja-JP" altLang="en-US"/>
           </a:p>
@@ -2731,7 +2733,7 @@
           <a:p>
             <a:fld id="{7E544A3A-F8B4-46B6-A7F4-BA104F47089F}" type="datetime1">
               <a:rPr kumimoji="1" lang="ja-JP" altLang="en-US" smtClean="0"/>
-              <a:t>2019/1/25</a:t>
+              <a:t>2019/1/31</a:t>
             </a:fld>
             <a:endParaRPr kumimoji="1" lang="ja-JP" altLang="en-US"/>
           </a:p>
@@ -2986,7 +2988,7 @@
           <a:p>
             <a:fld id="{5C61A693-3EB2-40E5-944F-A15C15D15CE8}" type="datetime1">
               <a:rPr kumimoji="1" lang="ja-JP" altLang="en-US" smtClean="0"/>
-              <a:t>2019/1/25</a:t>
+              <a:t>2019/1/31</a:t>
             </a:fld>
             <a:endParaRPr kumimoji="1" lang="ja-JP" altLang="en-US"/>
           </a:p>
@@ -3229,7 +3231,7 @@
           <a:p>
             <a:fld id="{54F798B4-40B9-4467-83D0-F475F97608DD}" type="datetime1">
               <a:rPr kumimoji="1" lang="ja-JP" altLang="en-US" smtClean="0"/>
-              <a:t>2019/1/25</a:t>
+              <a:t>2019/1/31</a:t>
             </a:fld>
             <a:endParaRPr kumimoji="1" lang="ja-JP" altLang="en-US"/>
           </a:p>
@@ -6164,6 +6166,2521 @@
     <p:extLst>
       <p:ext uri="{BB962C8B-B14F-4D97-AF65-F5344CB8AC3E}">
         <p14:creationId xmlns:p14="http://schemas.microsoft.com/office/powerpoint/2010/main" val="210479979"/>
+      </p:ext>
+    </p:extLst>
+  </p:cSld>
+  <p:clrMapOvr>
+    <a:masterClrMapping/>
+  </p:clrMapOvr>
+</p:sld>
+</file>
+
+<file path=ppt/slides/slide2.xml><?xml version="1.0" encoding="utf-8"?>
+<p:sld xmlns:a="http://schemas.openxmlformats.org/drawingml/2006/main" xmlns:r="http://schemas.openxmlformats.org/officeDocument/2006/relationships" xmlns:p="http://schemas.openxmlformats.org/presentationml/2006/main">
+  <p:cSld>
+    <p:spTree>
+      <p:nvGrpSpPr>
+        <p:cNvPr id="1" name=""/>
+        <p:cNvGrpSpPr/>
+        <p:nvPr/>
+      </p:nvGrpSpPr>
+      <p:grpSpPr>
+        <a:xfrm>
+          <a:off x="0" y="0"/>
+          <a:ext cx="0" cy="0"/>
+          <a:chOff x="0" y="0"/>
+          <a:chExt cx="0" cy="0"/>
+        </a:xfrm>
+      </p:grpSpPr>
+      <p:sp>
+        <p:nvSpPr>
+          <p:cNvPr id="2" name="タイトル 1">
+            <a:extLst>
+              <a:ext uri="{FF2B5EF4-FFF2-40B4-BE49-F238E27FC236}">
+                <a16:creationId xmlns:a16="http://schemas.microsoft.com/office/drawing/2014/main" id="{38C54EC6-187E-4CA7-9A6E-7CE404CC9472}"/>
+              </a:ext>
+            </a:extLst>
+          </p:cNvPr>
+          <p:cNvSpPr>
+            <a:spLocks noGrp="1"/>
+          </p:cNvSpPr>
+          <p:nvPr>
+            <p:ph type="title"/>
+          </p:nvPr>
+        </p:nvSpPr>
+        <p:spPr/>
+        <p:txBody>
+          <a:bodyPr/>
+          <a:lstStyle/>
+          <a:p>
+            <a:endParaRPr kumimoji="1" lang="ja-JP" altLang="en-US"/>
+          </a:p>
+        </p:txBody>
+      </p:sp>
+      <p:sp>
+        <p:nvSpPr>
+          <p:cNvPr id="3" name="コンテンツ プレースホルダー 2">
+            <a:extLst>
+              <a:ext uri="{FF2B5EF4-FFF2-40B4-BE49-F238E27FC236}">
+                <a16:creationId xmlns:a16="http://schemas.microsoft.com/office/drawing/2014/main" id="{F7A0B75E-4D30-4741-B7D7-115736A18EC6}"/>
+              </a:ext>
+            </a:extLst>
+          </p:cNvPr>
+          <p:cNvSpPr>
+            <a:spLocks noGrp="1"/>
+          </p:cNvSpPr>
+          <p:nvPr>
+            <p:ph idx="1"/>
+          </p:nvPr>
+        </p:nvSpPr>
+        <p:spPr/>
+        <p:txBody>
+          <a:bodyPr/>
+          <a:lstStyle/>
+          <a:p>
+            <a:endParaRPr kumimoji="1" lang="ja-JP" altLang="en-US"/>
+          </a:p>
+        </p:txBody>
+      </p:sp>
+      <p:sp>
+        <p:nvSpPr>
+          <p:cNvPr id="4" name="スライド番号プレースホルダー 3">
+            <a:extLst>
+              <a:ext uri="{FF2B5EF4-FFF2-40B4-BE49-F238E27FC236}">
+                <a16:creationId xmlns:a16="http://schemas.microsoft.com/office/drawing/2014/main" id="{2C198F6B-90B3-4C1E-AD28-B981AAD260F6}"/>
+              </a:ext>
+            </a:extLst>
+          </p:cNvPr>
+          <p:cNvSpPr>
+            <a:spLocks noGrp="1"/>
+          </p:cNvSpPr>
+          <p:nvPr>
+            <p:ph type="sldNum" sz="quarter" idx="12"/>
+          </p:nvPr>
+        </p:nvSpPr>
+        <p:spPr/>
+        <p:txBody>
+          <a:bodyPr/>
+          <a:lstStyle/>
+          <a:p>
+            <a:fld id="{B1CF0B90-4240-4ABE-BCFA-150BA8095602}" type="slidenum">
+              <a:rPr kumimoji="1" lang="ja-JP" altLang="en-US" smtClean="0"/>
+              <a:t>2</a:t>
+            </a:fld>
+            <a:endParaRPr kumimoji="1" lang="ja-JP" altLang="en-US"/>
+          </a:p>
+        </p:txBody>
+      </p:sp>
+    </p:spTree>
+    <p:extLst>
+      <p:ext uri="{BB962C8B-B14F-4D97-AF65-F5344CB8AC3E}">
+        <p14:creationId xmlns:p14="http://schemas.microsoft.com/office/powerpoint/2010/main" val="145503129"/>
+      </p:ext>
+    </p:extLst>
+  </p:cSld>
+  <p:clrMapOvr>
+    <a:masterClrMapping/>
+  </p:clrMapOvr>
+</p:sld>
+</file>
+
+<file path=ppt/slides/slide3.xml><?xml version="1.0" encoding="utf-8"?>
+<p:sld xmlns:a="http://schemas.openxmlformats.org/drawingml/2006/main" xmlns:r="http://schemas.openxmlformats.org/officeDocument/2006/relationships" xmlns:p="http://schemas.openxmlformats.org/presentationml/2006/main">
+  <p:cSld>
+    <p:spTree>
+      <p:nvGrpSpPr>
+        <p:cNvPr id="1" name=""/>
+        <p:cNvGrpSpPr/>
+        <p:nvPr/>
+      </p:nvGrpSpPr>
+      <p:grpSpPr>
+        <a:xfrm>
+          <a:off x="0" y="0"/>
+          <a:ext cx="0" cy="0"/>
+          <a:chOff x="0" y="0"/>
+          <a:chExt cx="0" cy="0"/>
+        </a:xfrm>
+      </p:grpSpPr>
+      <p:sp>
+        <p:nvSpPr>
+          <p:cNvPr id="4" name="円/楕円 14">
+            <a:extLst>
+              <a:ext uri="{FF2B5EF4-FFF2-40B4-BE49-F238E27FC236}">
+                <a16:creationId xmlns:a16="http://schemas.microsoft.com/office/drawing/2014/main" id="{228C1F0A-6389-44CD-A196-CC1064AD5CB9}"/>
+              </a:ext>
+            </a:extLst>
+          </p:cNvPr>
+          <p:cNvSpPr/>
+          <p:nvPr/>
+        </p:nvSpPr>
+        <p:spPr>
+          <a:xfrm>
+            <a:off x="3805518" y="1655549"/>
+            <a:ext cx="792088" cy="720080"/>
+          </a:xfrm>
+          <a:prstGeom prst="ellipse">
+            <a:avLst/>
+          </a:prstGeom>
+          <a:noFill/>
+          <a:ln>
+            <a:solidFill>
+              <a:schemeClr val="accent1">
+                <a:shade val="50000"/>
+              </a:schemeClr>
+            </a:solidFill>
+          </a:ln>
+        </p:spPr>
+        <p:style>
+          <a:lnRef idx="2">
+            <a:schemeClr val="accent1">
+              <a:shade val="50000"/>
+            </a:schemeClr>
+          </a:lnRef>
+          <a:fillRef idx="1">
+            <a:schemeClr val="accent1"/>
+          </a:fillRef>
+          <a:effectRef idx="0">
+            <a:schemeClr val="accent1"/>
+          </a:effectRef>
+          <a:fontRef idx="minor">
+            <a:schemeClr val="lt1"/>
+          </a:fontRef>
+        </p:style>
+        <p:txBody>
+          <a:bodyPr rtlCol="0" anchor="ctr"/>
+          <a:lstStyle/>
+          <a:p>
+            <a:pPr algn="ctr"/>
+            <a:endParaRPr kumimoji="1" lang="ja-JP" altLang="en-US"/>
+          </a:p>
+        </p:txBody>
+      </p:sp>
+      <p:sp>
+        <p:nvSpPr>
+          <p:cNvPr id="6" name="正方形/長方形 5">
+            <a:extLst>
+              <a:ext uri="{FF2B5EF4-FFF2-40B4-BE49-F238E27FC236}">
+                <a16:creationId xmlns:a16="http://schemas.microsoft.com/office/drawing/2014/main" id="{B20797DB-DBC8-4667-AB8E-CE6A99B9A002}"/>
+              </a:ext>
+            </a:extLst>
+          </p:cNvPr>
+          <p:cNvSpPr/>
+          <p:nvPr/>
+        </p:nvSpPr>
+        <p:spPr>
+          <a:xfrm>
+            <a:off x="1666764" y="1655549"/>
+            <a:ext cx="1224136" cy="720080"/>
+          </a:xfrm>
+          <a:prstGeom prst="rect">
+            <a:avLst/>
+          </a:prstGeom>
+          <a:noFill/>
+        </p:spPr>
+        <p:style>
+          <a:lnRef idx="2">
+            <a:schemeClr val="accent1">
+              <a:shade val="50000"/>
+            </a:schemeClr>
+          </a:lnRef>
+          <a:fillRef idx="1">
+            <a:schemeClr val="accent1"/>
+          </a:fillRef>
+          <a:effectRef idx="0">
+            <a:schemeClr val="accent1"/>
+          </a:effectRef>
+          <a:fontRef idx="minor">
+            <a:schemeClr val="lt1"/>
+          </a:fontRef>
+        </p:style>
+        <p:txBody>
+          <a:bodyPr rtlCol="0" anchor="ctr"/>
+          <a:lstStyle/>
+          <a:p>
+            <a:pPr algn="ctr"/>
+            <a:endParaRPr kumimoji="1" lang="ja-JP" altLang="en-US"/>
+          </a:p>
+        </p:txBody>
+      </p:sp>
+      <p:cxnSp>
+        <p:nvCxnSpPr>
+          <p:cNvPr id="7" name="直線コネクタ 6">
+            <a:extLst>
+              <a:ext uri="{FF2B5EF4-FFF2-40B4-BE49-F238E27FC236}">
+                <a16:creationId xmlns:a16="http://schemas.microsoft.com/office/drawing/2014/main" id="{B01651E0-FE13-428D-9B26-26B3B4A41141}"/>
+              </a:ext>
+            </a:extLst>
+          </p:cNvPr>
+          <p:cNvCxnSpPr>
+            <a:cxnSpLocks/>
+          </p:cNvCxnSpPr>
+          <p:nvPr/>
+        </p:nvCxnSpPr>
+        <p:spPr>
+          <a:xfrm>
+            <a:off x="1900040" y="2128923"/>
+            <a:ext cx="216024" cy="0"/>
+          </a:xfrm>
+          <a:prstGeom prst="line">
+            <a:avLst/>
+          </a:prstGeom>
+        </p:spPr>
+        <p:style>
+          <a:lnRef idx="1">
+            <a:schemeClr val="accent1"/>
+          </a:lnRef>
+          <a:fillRef idx="0">
+            <a:schemeClr val="accent1"/>
+          </a:fillRef>
+          <a:effectRef idx="0">
+            <a:schemeClr val="accent1"/>
+          </a:effectRef>
+          <a:fontRef idx="minor">
+            <a:schemeClr val="tx1"/>
+          </a:fontRef>
+        </p:style>
+      </p:cxnSp>
+      <p:cxnSp>
+        <p:nvCxnSpPr>
+          <p:cNvPr id="8" name="直線コネクタ 7">
+            <a:extLst>
+              <a:ext uri="{FF2B5EF4-FFF2-40B4-BE49-F238E27FC236}">
+                <a16:creationId xmlns:a16="http://schemas.microsoft.com/office/drawing/2014/main" id="{7643B449-D368-450D-83AA-C7643BC65DD1}"/>
+              </a:ext>
+            </a:extLst>
+          </p:cNvPr>
+          <p:cNvCxnSpPr>
+            <a:cxnSpLocks/>
+          </p:cNvCxnSpPr>
+          <p:nvPr/>
+        </p:nvCxnSpPr>
+        <p:spPr>
+          <a:xfrm>
+            <a:off x="2116064" y="1774786"/>
+            <a:ext cx="360040" cy="0"/>
+          </a:xfrm>
+          <a:prstGeom prst="line">
+            <a:avLst/>
+          </a:prstGeom>
+        </p:spPr>
+        <p:style>
+          <a:lnRef idx="1">
+            <a:schemeClr val="accent1"/>
+          </a:lnRef>
+          <a:fillRef idx="0">
+            <a:schemeClr val="accent1"/>
+          </a:fillRef>
+          <a:effectRef idx="0">
+            <a:schemeClr val="accent1"/>
+          </a:effectRef>
+          <a:fontRef idx="minor">
+            <a:schemeClr val="tx1"/>
+          </a:fontRef>
+        </p:style>
+      </p:cxnSp>
+      <p:cxnSp>
+        <p:nvCxnSpPr>
+          <p:cNvPr id="9" name="直線コネクタ 8">
+            <a:extLst>
+              <a:ext uri="{FF2B5EF4-FFF2-40B4-BE49-F238E27FC236}">
+                <a16:creationId xmlns:a16="http://schemas.microsoft.com/office/drawing/2014/main" id="{E641DF04-F50E-4EB6-9CA7-93178CC1326C}"/>
+              </a:ext>
+            </a:extLst>
+          </p:cNvPr>
+          <p:cNvCxnSpPr>
+            <a:cxnSpLocks/>
+          </p:cNvCxnSpPr>
+          <p:nvPr/>
+        </p:nvCxnSpPr>
+        <p:spPr>
+          <a:xfrm flipV="1">
+            <a:off x="2116064" y="1768882"/>
+            <a:ext cx="0" cy="360041"/>
+          </a:xfrm>
+          <a:prstGeom prst="line">
+            <a:avLst/>
+          </a:prstGeom>
+        </p:spPr>
+        <p:style>
+          <a:lnRef idx="1">
+            <a:schemeClr val="accent1"/>
+          </a:lnRef>
+          <a:fillRef idx="0">
+            <a:schemeClr val="accent1"/>
+          </a:fillRef>
+          <a:effectRef idx="0">
+            <a:schemeClr val="accent1"/>
+          </a:effectRef>
+          <a:fontRef idx="minor">
+            <a:schemeClr val="tx1"/>
+          </a:fontRef>
+        </p:style>
+      </p:cxnSp>
+      <p:cxnSp>
+        <p:nvCxnSpPr>
+          <p:cNvPr id="10" name="直線コネクタ 9">
+            <a:extLst>
+              <a:ext uri="{FF2B5EF4-FFF2-40B4-BE49-F238E27FC236}">
+                <a16:creationId xmlns:a16="http://schemas.microsoft.com/office/drawing/2014/main" id="{3F685B98-0965-4748-A879-09C42BEF6520}"/>
+              </a:ext>
+            </a:extLst>
+          </p:cNvPr>
+          <p:cNvCxnSpPr>
+            <a:cxnSpLocks/>
+          </p:cNvCxnSpPr>
+          <p:nvPr/>
+        </p:nvCxnSpPr>
+        <p:spPr>
+          <a:xfrm flipV="1">
+            <a:off x="2472053" y="1768882"/>
+            <a:ext cx="0" cy="360041"/>
+          </a:xfrm>
+          <a:prstGeom prst="line">
+            <a:avLst/>
+          </a:prstGeom>
+        </p:spPr>
+        <p:style>
+          <a:lnRef idx="1">
+            <a:schemeClr val="accent1"/>
+          </a:lnRef>
+          <a:fillRef idx="0">
+            <a:schemeClr val="accent1"/>
+          </a:fillRef>
+          <a:effectRef idx="0">
+            <a:schemeClr val="accent1"/>
+          </a:effectRef>
+          <a:fontRef idx="minor">
+            <a:schemeClr val="tx1"/>
+          </a:fontRef>
+        </p:style>
+      </p:cxnSp>
+      <p:cxnSp>
+        <p:nvCxnSpPr>
+          <p:cNvPr id="11" name="直線コネクタ 10">
+            <a:extLst>
+              <a:ext uri="{FF2B5EF4-FFF2-40B4-BE49-F238E27FC236}">
+                <a16:creationId xmlns:a16="http://schemas.microsoft.com/office/drawing/2014/main" id="{28DEC754-1B07-4690-83CC-20BF4B0A069F}"/>
+              </a:ext>
+            </a:extLst>
+          </p:cNvPr>
+          <p:cNvCxnSpPr>
+            <a:cxnSpLocks/>
+          </p:cNvCxnSpPr>
+          <p:nvPr/>
+        </p:nvCxnSpPr>
+        <p:spPr>
+          <a:xfrm>
+            <a:off x="2472053" y="2110890"/>
+            <a:ext cx="220075" cy="0"/>
+          </a:xfrm>
+          <a:prstGeom prst="line">
+            <a:avLst/>
+          </a:prstGeom>
+          <a:ln>
+            <a:headEnd type="none"/>
+            <a:tailEnd type="none"/>
+          </a:ln>
+        </p:spPr>
+        <p:style>
+          <a:lnRef idx="1">
+            <a:schemeClr val="accent1"/>
+          </a:lnRef>
+          <a:fillRef idx="0">
+            <a:schemeClr val="accent1"/>
+          </a:fillRef>
+          <a:effectRef idx="0">
+            <a:schemeClr val="accent1"/>
+          </a:effectRef>
+          <a:fontRef idx="minor">
+            <a:schemeClr val="tx1"/>
+          </a:fontRef>
+        </p:style>
+      </p:cxnSp>
+      <p:sp>
+        <p:nvSpPr>
+          <p:cNvPr id="12" name="テキスト ボックス 11">
+            <a:extLst>
+              <a:ext uri="{FF2B5EF4-FFF2-40B4-BE49-F238E27FC236}">
+                <a16:creationId xmlns:a16="http://schemas.microsoft.com/office/drawing/2014/main" id="{0283DBCD-AD76-4EBD-9D30-6EAD3C1F1926}"/>
+              </a:ext>
+            </a:extLst>
+          </p:cNvPr>
+          <p:cNvSpPr txBox="1"/>
+          <p:nvPr/>
+        </p:nvSpPr>
+        <p:spPr>
+          <a:xfrm>
+            <a:off x="1571071" y="2340349"/>
+            <a:ext cx="1784569" cy="400110"/>
+          </a:xfrm>
+          <a:prstGeom prst="rect">
+            <a:avLst/>
+          </a:prstGeom>
+          <a:noFill/>
+        </p:spPr>
+        <p:txBody>
+          <a:bodyPr wrap="square" rtlCol="0">
+            <a:spAutoFit/>
+          </a:bodyPr>
+          <a:lstStyle/>
+          <a:p>
+            <a:r>
+              <a:rPr kumimoji="1" lang="en-US" altLang="ja-JP" sz="1000" dirty="0"/>
+              <a:t>Pulse generator</a:t>
+            </a:r>
+          </a:p>
+          <a:p>
+            <a:endParaRPr kumimoji="1" lang="ja-JP" altLang="en-US" sz="1000" dirty="0"/>
+          </a:p>
+        </p:txBody>
+      </p:sp>
+      <p:sp>
+        <p:nvSpPr>
+          <p:cNvPr id="13" name="テキスト ボックス 12">
+            <a:extLst>
+              <a:ext uri="{FF2B5EF4-FFF2-40B4-BE49-F238E27FC236}">
+                <a16:creationId xmlns:a16="http://schemas.microsoft.com/office/drawing/2014/main" id="{D7FB4D7A-0A86-44D3-AC0F-34D06890D785}"/>
+              </a:ext>
+            </a:extLst>
+          </p:cNvPr>
+          <p:cNvSpPr txBox="1"/>
+          <p:nvPr/>
+        </p:nvSpPr>
+        <p:spPr>
+          <a:xfrm>
+            <a:off x="3764573" y="2380986"/>
+            <a:ext cx="1176847" cy="400110"/>
+          </a:xfrm>
+          <a:prstGeom prst="rect">
+            <a:avLst/>
+          </a:prstGeom>
+          <a:noFill/>
+        </p:spPr>
+        <p:txBody>
+          <a:bodyPr wrap="square" rtlCol="0">
+            <a:spAutoFit/>
+          </a:bodyPr>
+          <a:lstStyle/>
+          <a:p>
+            <a:r>
+              <a:rPr lang="en-US" altLang="ja-JP" sz="1000" dirty="0"/>
+              <a:t>Attenuator</a:t>
+            </a:r>
+            <a:endParaRPr lang="ja-JP" altLang="en-US" sz="1000" dirty="0"/>
+          </a:p>
+          <a:p>
+            <a:r>
+              <a:rPr lang="en-US" altLang="ja-JP" sz="1000" dirty="0"/>
+              <a:t>(</a:t>
+            </a:r>
+            <a:r>
+              <a:rPr lang="ja-JP" altLang="en-US" sz="1000" dirty="0"/>
+              <a:t>可変抵抗減衰器</a:t>
+            </a:r>
+            <a:r>
+              <a:rPr lang="en-US" altLang="ja-JP" sz="1000" dirty="0"/>
+              <a:t>)</a:t>
+            </a:r>
+          </a:p>
+        </p:txBody>
+      </p:sp>
+      <p:sp>
+        <p:nvSpPr>
+          <p:cNvPr id="14" name="三角形 17">
+            <a:extLst>
+              <a:ext uri="{FF2B5EF4-FFF2-40B4-BE49-F238E27FC236}">
+                <a16:creationId xmlns:a16="http://schemas.microsoft.com/office/drawing/2014/main" id="{42FF02D5-520D-4882-AE63-295A7B9F5A41}"/>
+              </a:ext>
+            </a:extLst>
+          </p:cNvPr>
+          <p:cNvSpPr/>
+          <p:nvPr/>
+        </p:nvSpPr>
+        <p:spPr>
+          <a:xfrm rot="5400000">
+            <a:off x="5127002" y="1565464"/>
+            <a:ext cx="1044291" cy="900251"/>
+          </a:xfrm>
+          <a:prstGeom prst="triangle">
+            <a:avLst/>
+          </a:prstGeom>
+          <a:noFill/>
+        </p:spPr>
+        <p:style>
+          <a:lnRef idx="2">
+            <a:schemeClr val="accent1">
+              <a:shade val="50000"/>
+            </a:schemeClr>
+          </a:lnRef>
+          <a:fillRef idx="1">
+            <a:schemeClr val="accent1"/>
+          </a:fillRef>
+          <a:effectRef idx="0">
+            <a:schemeClr val="accent1"/>
+          </a:effectRef>
+          <a:fontRef idx="minor">
+            <a:schemeClr val="lt1"/>
+          </a:fontRef>
+        </p:style>
+        <p:txBody>
+          <a:bodyPr rtlCol="0" anchor="ctr"/>
+          <a:lstStyle/>
+          <a:p>
+            <a:pPr algn="ctr"/>
+            <a:endParaRPr kumimoji="1" lang="ja-JP" altLang="en-US"/>
+          </a:p>
+        </p:txBody>
+      </p:sp>
+      <p:cxnSp>
+        <p:nvCxnSpPr>
+          <p:cNvPr id="16" name="直線コネクタ 15">
+            <a:extLst>
+              <a:ext uri="{FF2B5EF4-FFF2-40B4-BE49-F238E27FC236}">
+                <a16:creationId xmlns:a16="http://schemas.microsoft.com/office/drawing/2014/main" id="{09712A42-9ED5-4358-90FB-1698A45B2A1E}"/>
+              </a:ext>
+            </a:extLst>
+          </p:cNvPr>
+          <p:cNvCxnSpPr>
+            <a:stCxn id="4" idx="6"/>
+            <a:endCxn id="14" idx="3"/>
+          </p:cNvCxnSpPr>
+          <p:nvPr/>
+        </p:nvCxnSpPr>
+        <p:spPr>
+          <a:xfrm>
+            <a:off x="4597606" y="2015589"/>
+            <a:ext cx="601416" cy="1"/>
+          </a:xfrm>
+          <a:prstGeom prst="line">
+            <a:avLst/>
+          </a:prstGeom>
+        </p:spPr>
+        <p:style>
+          <a:lnRef idx="1">
+            <a:schemeClr val="accent1"/>
+          </a:lnRef>
+          <a:fillRef idx="0">
+            <a:schemeClr val="accent1"/>
+          </a:fillRef>
+          <a:effectRef idx="0">
+            <a:schemeClr val="accent1"/>
+          </a:effectRef>
+          <a:fontRef idx="minor">
+            <a:schemeClr val="tx1"/>
+          </a:fontRef>
+        </p:style>
+      </p:cxnSp>
+      <p:cxnSp>
+        <p:nvCxnSpPr>
+          <p:cNvPr id="17" name="直線矢印コネクタ 16">
+            <a:extLst>
+              <a:ext uri="{FF2B5EF4-FFF2-40B4-BE49-F238E27FC236}">
+                <a16:creationId xmlns:a16="http://schemas.microsoft.com/office/drawing/2014/main" id="{F711C4B5-39AD-4212-897A-B61F5808E5BE}"/>
+              </a:ext>
+            </a:extLst>
+          </p:cNvPr>
+          <p:cNvCxnSpPr>
+            <a:cxnSpLocks/>
+          </p:cNvCxnSpPr>
+          <p:nvPr/>
+        </p:nvCxnSpPr>
+        <p:spPr>
+          <a:xfrm flipV="1">
+            <a:off x="3769514" y="1646711"/>
+            <a:ext cx="805571" cy="732340"/>
+          </a:xfrm>
+          <a:prstGeom prst="straightConnector1">
+            <a:avLst/>
+          </a:prstGeom>
+          <a:ln>
+            <a:tailEnd type="triangle"/>
+          </a:ln>
+        </p:spPr>
+        <p:style>
+          <a:lnRef idx="1">
+            <a:schemeClr val="accent1"/>
+          </a:lnRef>
+          <a:fillRef idx="0">
+            <a:schemeClr val="accent1"/>
+          </a:fillRef>
+          <a:effectRef idx="0">
+            <a:schemeClr val="accent1"/>
+          </a:effectRef>
+          <a:fontRef idx="minor">
+            <a:schemeClr val="tx1"/>
+          </a:fontRef>
+        </p:style>
+      </p:cxnSp>
+      <p:sp>
+        <p:nvSpPr>
+          <p:cNvPr id="18" name="正方形/長方形 17">
+            <a:extLst>
+              <a:ext uri="{FF2B5EF4-FFF2-40B4-BE49-F238E27FC236}">
+                <a16:creationId xmlns:a16="http://schemas.microsoft.com/office/drawing/2014/main" id="{833417FF-BD00-41C3-9362-6B6002D235F0}"/>
+              </a:ext>
+            </a:extLst>
+          </p:cNvPr>
+          <p:cNvSpPr/>
+          <p:nvPr/>
+        </p:nvSpPr>
+        <p:spPr>
+          <a:xfrm>
+            <a:off x="886534" y="4029852"/>
+            <a:ext cx="1152128" cy="720080"/>
+          </a:xfrm>
+          <a:prstGeom prst="rect">
+            <a:avLst/>
+          </a:prstGeom>
+          <a:noFill/>
+        </p:spPr>
+        <p:style>
+          <a:lnRef idx="2">
+            <a:schemeClr val="accent1">
+              <a:shade val="50000"/>
+            </a:schemeClr>
+          </a:lnRef>
+          <a:fillRef idx="1">
+            <a:schemeClr val="accent1"/>
+          </a:fillRef>
+          <a:effectRef idx="0">
+            <a:schemeClr val="accent1"/>
+          </a:effectRef>
+          <a:fontRef idx="minor">
+            <a:schemeClr val="lt1"/>
+          </a:fontRef>
+        </p:style>
+        <p:txBody>
+          <a:bodyPr rtlCol="0" anchor="ctr"/>
+          <a:lstStyle/>
+          <a:p>
+            <a:pPr algn="ctr"/>
+            <a:r>
+              <a:rPr kumimoji="1" lang="en-US" altLang="ja-JP" dirty="0">
+                <a:solidFill>
+                  <a:schemeClr val="tx1"/>
+                </a:solidFill>
+              </a:rPr>
+              <a:t>LD sample</a:t>
+            </a:r>
+            <a:endParaRPr kumimoji="1" lang="ja-JP" altLang="en-US" dirty="0">
+              <a:solidFill>
+                <a:schemeClr val="tx1"/>
+              </a:solidFill>
+            </a:endParaRPr>
+          </a:p>
+        </p:txBody>
+      </p:sp>
+      <p:sp>
+        <p:nvSpPr>
+          <p:cNvPr id="19" name="テキスト ボックス 18">
+            <a:extLst>
+              <a:ext uri="{FF2B5EF4-FFF2-40B4-BE49-F238E27FC236}">
+                <a16:creationId xmlns:a16="http://schemas.microsoft.com/office/drawing/2014/main" id="{83FDDC91-CDF2-43A5-A500-4F55C848CCE9}"/>
+              </a:ext>
+            </a:extLst>
+          </p:cNvPr>
+          <p:cNvSpPr txBox="1"/>
+          <p:nvPr/>
+        </p:nvSpPr>
+        <p:spPr>
+          <a:xfrm>
+            <a:off x="5001074" y="2537735"/>
+            <a:ext cx="1830869" cy="246221"/>
+          </a:xfrm>
+          <a:prstGeom prst="rect">
+            <a:avLst/>
+          </a:prstGeom>
+          <a:noFill/>
+        </p:spPr>
+        <p:txBody>
+          <a:bodyPr wrap="square" rtlCol="0">
+            <a:spAutoFit/>
+          </a:bodyPr>
+          <a:lstStyle/>
+          <a:p>
+            <a:r>
+              <a:rPr lang="en-US" altLang="ja-JP" sz="1000" dirty="0"/>
+              <a:t>RF Amp.</a:t>
+            </a:r>
+          </a:p>
+        </p:txBody>
+      </p:sp>
+      <p:grpSp>
+        <p:nvGrpSpPr>
+          <p:cNvPr id="21" name="グループ化 20">
+            <a:extLst>
+              <a:ext uri="{FF2B5EF4-FFF2-40B4-BE49-F238E27FC236}">
+                <a16:creationId xmlns:a16="http://schemas.microsoft.com/office/drawing/2014/main" id="{B3C52C73-165A-4262-BC1B-E5E403689EC1}"/>
+              </a:ext>
+            </a:extLst>
+          </p:cNvPr>
+          <p:cNvGrpSpPr/>
+          <p:nvPr/>
+        </p:nvGrpSpPr>
+        <p:grpSpPr>
+          <a:xfrm>
+            <a:off x="3090778" y="1546941"/>
+            <a:ext cx="366768" cy="371217"/>
+            <a:chOff x="1634843" y="916093"/>
+            <a:chExt cx="792088" cy="371217"/>
+          </a:xfrm>
+        </p:grpSpPr>
+        <p:cxnSp>
+          <p:nvCxnSpPr>
+            <p:cNvPr id="22" name="直線コネクタ 21">
+              <a:extLst>
+                <a:ext uri="{FF2B5EF4-FFF2-40B4-BE49-F238E27FC236}">
+                  <a16:creationId xmlns:a16="http://schemas.microsoft.com/office/drawing/2014/main" id="{814841FF-35E0-4456-9FDC-A1E4D3B9484C}"/>
+                </a:ext>
+              </a:extLst>
+            </p:cNvPr>
+            <p:cNvCxnSpPr>
+              <a:cxnSpLocks/>
+            </p:cNvCxnSpPr>
+            <p:nvPr/>
+          </p:nvCxnSpPr>
+          <p:spPr>
+            <a:xfrm>
+              <a:off x="1634843" y="1287310"/>
+              <a:ext cx="216024" cy="0"/>
+            </a:xfrm>
+            <a:prstGeom prst="line">
+              <a:avLst/>
+            </a:prstGeom>
+          </p:spPr>
+          <p:style>
+            <a:lnRef idx="1">
+              <a:schemeClr val="accent1"/>
+            </a:lnRef>
+            <a:fillRef idx="0">
+              <a:schemeClr val="accent1"/>
+            </a:fillRef>
+            <a:effectRef idx="0">
+              <a:schemeClr val="accent1"/>
+            </a:effectRef>
+            <a:fontRef idx="minor">
+              <a:schemeClr val="tx1"/>
+            </a:fontRef>
+          </p:style>
+        </p:cxnSp>
+        <p:cxnSp>
+          <p:nvCxnSpPr>
+            <p:cNvPr id="23" name="直線コネクタ 22">
+              <a:extLst>
+                <a:ext uri="{FF2B5EF4-FFF2-40B4-BE49-F238E27FC236}">
+                  <a16:creationId xmlns:a16="http://schemas.microsoft.com/office/drawing/2014/main" id="{E6DE76D9-0312-4D33-87E7-101A98FAABE0}"/>
+                </a:ext>
+              </a:extLst>
+            </p:cNvPr>
+            <p:cNvCxnSpPr>
+              <a:cxnSpLocks/>
+            </p:cNvCxnSpPr>
+            <p:nvPr/>
+          </p:nvCxnSpPr>
+          <p:spPr>
+            <a:xfrm>
+              <a:off x="1850867" y="916093"/>
+              <a:ext cx="360040" cy="0"/>
+            </a:xfrm>
+            <a:prstGeom prst="line">
+              <a:avLst/>
+            </a:prstGeom>
+          </p:spPr>
+          <p:style>
+            <a:lnRef idx="1">
+              <a:schemeClr val="accent1"/>
+            </a:lnRef>
+            <a:fillRef idx="0">
+              <a:schemeClr val="accent1"/>
+            </a:fillRef>
+            <a:effectRef idx="0">
+              <a:schemeClr val="accent1"/>
+            </a:effectRef>
+            <a:fontRef idx="minor">
+              <a:schemeClr val="tx1"/>
+            </a:fontRef>
+          </p:style>
+        </p:cxnSp>
+        <p:cxnSp>
+          <p:nvCxnSpPr>
+            <p:cNvPr id="24" name="直線コネクタ 23">
+              <a:extLst>
+                <a:ext uri="{FF2B5EF4-FFF2-40B4-BE49-F238E27FC236}">
+                  <a16:creationId xmlns:a16="http://schemas.microsoft.com/office/drawing/2014/main" id="{6CAA6BEF-12B8-4868-AE78-4FE93BEECECF}"/>
+                </a:ext>
+              </a:extLst>
+            </p:cNvPr>
+            <p:cNvCxnSpPr>
+              <a:cxnSpLocks/>
+            </p:cNvCxnSpPr>
+            <p:nvPr/>
+          </p:nvCxnSpPr>
+          <p:spPr>
+            <a:xfrm flipV="1">
+              <a:off x="1850867" y="923959"/>
+              <a:ext cx="0" cy="360041"/>
+            </a:xfrm>
+            <a:prstGeom prst="line">
+              <a:avLst/>
+            </a:prstGeom>
+          </p:spPr>
+          <p:style>
+            <a:lnRef idx="1">
+              <a:schemeClr val="accent1"/>
+            </a:lnRef>
+            <a:fillRef idx="0">
+              <a:schemeClr val="accent1"/>
+            </a:fillRef>
+            <a:effectRef idx="0">
+              <a:schemeClr val="accent1"/>
+            </a:effectRef>
+            <a:fontRef idx="minor">
+              <a:schemeClr val="tx1"/>
+            </a:fontRef>
+          </p:style>
+        </p:cxnSp>
+        <p:cxnSp>
+          <p:nvCxnSpPr>
+            <p:cNvPr id="25" name="直線コネクタ 24">
+              <a:extLst>
+                <a:ext uri="{FF2B5EF4-FFF2-40B4-BE49-F238E27FC236}">
+                  <a16:creationId xmlns:a16="http://schemas.microsoft.com/office/drawing/2014/main" id="{CD5BD19C-ED65-4E4D-8913-B492A6F27736}"/>
+                </a:ext>
+              </a:extLst>
+            </p:cNvPr>
+            <p:cNvCxnSpPr>
+              <a:cxnSpLocks/>
+            </p:cNvCxnSpPr>
+            <p:nvPr/>
+          </p:nvCxnSpPr>
+          <p:spPr>
+            <a:xfrm flipV="1">
+              <a:off x="2206856" y="923959"/>
+              <a:ext cx="0" cy="360041"/>
+            </a:xfrm>
+            <a:prstGeom prst="line">
+              <a:avLst/>
+            </a:prstGeom>
+          </p:spPr>
+          <p:style>
+            <a:lnRef idx="1">
+              <a:schemeClr val="accent1"/>
+            </a:lnRef>
+            <a:fillRef idx="0">
+              <a:schemeClr val="accent1"/>
+            </a:fillRef>
+            <a:effectRef idx="0">
+              <a:schemeClr val="accent1"/>
+            </a:effectRef>
+            <a:fontRef idx="minor">
+              <a:schemeClr val="tx1"/>
+            </a:fontRef>
+          </p:style>
+        </p:cxnSp>
+        <p:cxnSp>
+          <p:nvCxnSpPr>
+            <p:cNvPr id="26" name="直線コネクタ 25">
+              <a:extLst>
+                <a:ext uri="{FF2B5EF4-FFF2-40B4-BE49-F238E27FC236}">
+                  <a16:creationId xmlns:a16="http://schemas.microsoft.com/office/drawing/2014/main" id="{6F85605D-B574-4388-BFF0-9120024E4A70}"/>
+                </a:ext>
+              </a:extLst>
+            </p:cNvPr>
+            <p:cNvCxnSpPr>
+              <a:cxnSpLocks/>
+            </p:cNvCxnSpPr>
+            <p:nvPr/>
+          </p:nvCxnSpPr>
+          <p:spPr>
+            <a:xfrm>
+              <a:off x="2206856" y="1284000"/>
+              <a:ext cx="220075" cy="0"/>
+            </a:xfrm>
+            <a:prstGeom prst="line">
+              <a:avLst/>
+            </a:prstGeom>
+            <a:ln>
+              <a:headEnd type="none"/>
+              <a:tailEnd type="none"/>
+            </a:ln>
+          </p:spPr>
+          <p:style>
+            <a:lnRef idx="1">
+              <a:schemeClr val="accent1"/>
+            </a:lnRef>
+            <a:fillRef idx="0">
+              <a:schemeClr val="accent1"/>
+            </a:fillRef>
+            <a:effectRef idx="0">
+              <a:schemeClr val="accent1"/>
+            </a:effectRef>
+            <a:fontRef idx="minor">
+              <a:schemeClr val="tx1"/>
+            </a:fontRef>
+          </p:style>
+        </p:cxnSp>
+      </p:grpSp>
+      <p:sp>
+        <p:nvSpPr>
+          <p:cNvPr id="27" name="テキスト ボックス 26">
+            <a:extLst>
+              <a:ext uri="{FF2B5EF4-FFF2-40B4-BE49-F238E27FC236}">
+                <a16:creationId xmlns:a16="http://schemas.microsoft.com/office/drawing/2014/main" id="{501AB233-B1DF-428D-9B76-316AEDAD7930}"/>
+              </a:ext>
+            </a:extLst>
+          </p:cNvPr>
+          <p:cNvSpPr txBox="1"/>
+          <p:nvPr/>
+        </p:nvSpPr>
+        <p:spPr>
+          <a:xfrm>
+            <a:off x="2697849" y="1068412"/>
+            <a:ext cx="2257060" cy="430887"/>
+          </a:xfrm>
+          <a:prstGeom prst="rect">
+            <a:avLst/>
+          </a:prstGeom>
+          <a:noFill/>
+        </p:spPr>
+        <p:txBody>
+          <a:bodyPr wrap="square" rtlCol="0">
+            <a:spAutoFit/>
+          </a:bodyPr>
+          <a:lstStyle/>
+          <a:p>
+            <a:r>
+              <a:rPr kumimoji="1" lang="ja-JP" altLang="en-US" sz="1100" dirty="0"/>
+              <a:t>パルス幅 </a:t>
+            </a:r>
+            <a:r>
+              <a:rPr kumimoji="1" lang="en-US" altLang="ja-JP" sz="1100" dirty="0"/>
+              <a:t>:</a:t>
+            </a:r>
+            <a:r>
+              <a:rPr lang="en-US" altLang="ja-JP" sz="1100" dirty="0"/>
+              <a:t>1 ns</a:t>
+            </a:r>
+            <a:endParaRPr kumimoji="1" lang="en-US" altLang="ja-JP" sz="1100" dirty="0"/>
+          </a:p>
+          <a:p>
+            <a:r>
+              <a:rPr kumimoji="1" lang="ja-JP" altLang="en-US" sz="1100" dirty="0"/>
+              <a:t>繰り返し</a:t>
+            </a:r>
+            <a:r>
+              <a:rPr lang="ja-JP" altLang="en-US" sz="1100" dirty="0"/>
+              <a:t>周波数</a:t>
+            </a:r>
+            <a:r>
+              <a:rPr kumimoji="1" lang="ja-JP" altLang="en-US" sz="1100" dirty="0"/>
+              <a:t> </a:t>
+            </a:r>
+            <a:r>
+              <a:rPr kumimoji="1" lang="en-US" altLang="ja-JP" sz="1100" dirty="0"/>
+              <a:t>: 1 MHz </a:t>
+            </a:r>
+            <a:endParaRPr kumimoji="1" lang="ja-JP" altLang="en-US" sz="1100" dirty="0"/>
+          </a:p>
+        </p:txBody>
+      </p:sp>
+      <p:sp>
+        <p:nvSpPr>
+          <p:cNvPr id="28" name="三角形 12">
+            <a:extLst>
+              <a:ext uri="{FF2B5EF4-FFF2-40B4-BE49-F238E27FC236}">
+                <a16:creationId xmlns:a16="http://schemas.microsoft.com/office/drawing/2014/main" id="{3800A786-F495-4529-B1CC-A2709809DC16}"/>
+              </a:ext>
+            </a:extLst>
+          </p:cNvPr>
+          <p:cNvSpPr/>
+          <p:nvPr/>
+        </p:nvSpPr>
+        <p:spPr>
+          <a:xfrm rot="16200000">
+            <a:off x="2103173" y="4029852"/>
+            <a:ext cx="614414" cy="720081"/>
+          </a:xfrm>
+          <a:prstGeom prst="triangle">
+            <a:avLst/>
+          </a:prstGeom>
+          <a:solidFill>
+            <a:srgbClr val="FF0000">
+              <a:alpha val="50000"/>
+            </a:srgbClr>
+          </a:solidFill>
+          <a:ln w="12700" cap="flat" cmpd="sng" algn="ctr">
+            <a:noFill/>
+            <a:prstDash val="solid"/>
+            <a:miter lim="800000"/>
+          </a:ln>
+          <a:effectLst/>
+        </p:spPr>
+        <p:txBody>
+          <a:bodyPr rtlCol="0" anchor="ctr"/>
+          <a:lstStyle/>
+          <a:p>
+            <a:pPr marL="0" marR="0" lvl="0" indent="0" algn="ctr" defTabSz="914400" eaLnBrk="1" fontAlgn="auto" latinLnBrk="0" hangingPunct="1">
+              <a:lnSpc>
+                <a:spcPct val="100000"/>
+              </a:lnSpc>
+              <a:spcBef>
+                <a:spcPts val="0"/>
+              </a:spcBef>
+              <a:spcAft>
+                <a:spcPts val="0"/>
+              </a:spcAft>
+              <a:buClrTx/>
+              <a:buSzTx/>
+              <a:buFontTx/>
+              <a:buNone/>
+              <a:tabLst/>
+              <a:defRPr/>
+            </a:pPr>
+            <a:endParaRPr kumimoji="0" lang="ja-JP" altLang="en-US" sz="1800" b="0" i="0" u="none" strike="noStrike" kern="0" cap="none" spc="0" normalizeH="0" baseline="0" noProof="0">
+              <a:ln>
+                <a:noFill/>
+              </a:ln>
+              <a:solidFill>
+                <a:prstClr val="white"/>
+              </a:solidFill>
+              <a:effectLst/>
+              <a:uLnTx/>
+              <a:uFillTx/>
+              <a:latin typeface="游ゴシック" panose="020F0502020204030204"/>
+              <a:ea typeface="游ゴシック" panose="020B0400000000000000" pitchFamily="50" charset="-128"/>
+              <a:cs typeface="+mn-cs"/>
+            </a:endParaRPr>
+          </a:p>
+        </p:txBody>
+      </p:sp>
+      <p:sp>
+        <p:nvSpPr>
+          <p:cNvPr id="29" name="正方形/長方形 28">
+            <a:extLst>
+              <a:ext uri="{FF2B5EF4-FFF2-40B4-BE49-F238E27FC236}">
+                <a16:creationId xmlns:a16="http://schemas.microsoft.com/office/drawing/2014/main" id="{2BE76F8A-85DA-4CE9-87EF-27BC807A70DC}"/>
+              </a:ext>
+            </a:extLst>
+          </p:cNvPr>
+          <p:cNvSpPr/>
+          <p:nvPr/>
+        </p:nvSpPr>
+        <p:spPr>
+          <a:xfrm>
+            <a:off x="6224351" y="4029852"/>
+            <a:ext cx="683925" cy="720080"/>
+          </a:xfrm>
+          <a:prstGeom prst="rect">
+            <a:avLst/>
+          </a:prstGeom>
+          <a:noFill/>
+          <a:ln w="12700" cap="flat" cmpd="sng" algn="ctr">
+            <a:solidFill>
+              <a:srgbClr val="4A66AC">
+                <a:shade val="50000"/>
+              </a:srgbClr>
+            </a:solidFill>
+            <a:prstDash val="solid"/>
+            <a:miter lim="800000"/>
+          </a:ln>
+          <a:effectLst/>
+        </p:spPr>
+        <p:txBody>
+          <a:bodyPr rtlCol="0" anchor="ctr"/>
+          <a:lstStyle/>
+          <a:p>
+            <a:pPr marL="0" marR="0" lvl="0" indent="0" algn="ctr" defTabSz="914400" eaLnBrk="1" fontAlgn="auto" latinLnBrk="0" hangingPunct="1">
+              <a:lnSpc>
+                <a:spcPct val="100000"/>
+              </a:lnSpc>
+              <a:spcBef>
+                <a:spcPts val="0"/>
+              </a:spcBef>
+              <a:spcAft>
+                <a:spcPts val="0"/>
+              </a:spcAft>
+              <a:buClrTx/>
+              <a:buSzTx/>
+              <a:buFontTx/>
+              <a:buNone/>
+              <a:tabLst/>
+              <a:defRPr/>
+            </a:pPr>
+            <a:r>
+              <a:rPr kumimoji="0" lang="en-US" altLang="ja-JP" sz="1800" b="0" i="0" u="none" strike="noStrike" kern="0" cap="none" spc="0" normalizeH="0" baseline="0" noProof="0" dirty="0">
+                <a:ln>
+                  <a:noFill/>
+                </a:ln>
+                <a:solidFill>
+                  <a:prstClr val="black"/>
+                </a:solidFill>
+                <a:effectLst/>
+                <a:uLnTx/>
+                <a:uFillTx/>
+                <a:latin typeface="+mn-ea"/>
+                <a:cs typeface="+mn-cs"/>
+              </a:rPr>
+              <a:t>PD</a:t>
+            </a:r>
+            <a:endParaRPr kumimoji="0" lang="ja-JP" altLang="en-US" sz="1800" b="0" i="0" u="none" strike="noStrike" kern="0" cap="none" spc="0" normalizeH="0" baseline="0" noProof="0" dirty="0">
+              <a:ln>
+                <a:noFill/>
+              </a:ln>
+              <a:solidFill>
+                <a:prstClr val="black"/>
+              </a:solidFill>
+              <a:effectLst/>
+              <a:uLnTx/>
+              <a:uFillTx/>
+              <a:latin typeface="+mn-ea"/>
+              <a:cs typeface="+mn-cs"/>
+            </a:endParaRPr>
+          </a:p>
+        </p:txBody>
+      </p:sp>
+      <p:cxnSp>
+        <p:nvCxnSpPr>
+          <p:cNvPr id="30" name="直線コネクタ 29">
+            <a:extLst>
+              <a:ext uri="{FF2B5EF4-FFF2-40B4-BE49-F238E27FC236}">
+                <a16:creationId xmlns:a16="http://schemas.microsoft.com/office/drawing/2014/main" id="{197B8906-0EF7-4AF7-9EAE-E006AFB96397}"/>
+              </a:ext>
+            </a:extLst>
+          </p:cNvPr>
+          <p:cNvCxnSpPr>
+            <a:cxnSpLocks/>
+          </p:cNvCxnSpPr>
+          <p:nvPr/>
+        </p:nvCxnSpPr>
+        <p:spPr>
+          <a:xfrm>
+            <a:off x="6926504" y="4395933"/>
+            <a:ext cx="323885" cy="1"/>
+          </a:xfrm>
+          <a:prstGeom prst="line">
+            <a:avLst/>
+          </a:prstGeom>
+          <a:noFill/>
+          <a:ln w="6350" cap="flat" cmpd="sng" algn="ctr">
+            <a:solidFill>
+              <a:srgbClr val="4A66AC"/>
+            </a:solidFill>
+            <a:prstDash val="solid"/>
+            <a:miter lim="800000"/>
+          </a:ln>
+          <a:effectLst/>
+        </p:spPr>
+      </p:cxnSp>
+      <p:sp>
+        <p:nvSpPr>
+          <p:cNvPr id="31" name="正方形/長方形 30">
+            <a:extLst>
+              <a:ext uri="{FF2B5EF4-FFF2-40B4-BE49-F238E27FC236}">
+                <a16:creationId xmlns:a16="http://schemas.microsoft.com/office/drawing/2014/main" id="{2AB3A726-F187-448A-942F-4F8635BB80A7}"/>
+              </a:ext>
+            </a:extLst>
+          </p:cNvPr>
+          <p:cNvSpPr/>
+          <p:nvPr/>
+        </p:nvSpPr>
+        <p:spPr>
+          <a:xfrm>
+            <a:off x="7250540" y="4029852"/>
+            <a:ext cx="1385928" cy="720080"/>
+          </a:xfrm>
+          <a:prstGeom prst="rect">
+            <a:avLst/>
+          </a:prstGeom>
+          <a:noFill/>
+          <a:ln w="12700" cap="flat" cmpd="sng" algn="ctr">
+            <a:solidFill>
+              <a:srgbClr val="4A66AC">
+                <a:shade val="50000"/>
+              </a:srgbClr>
+            </a:solidFill>
+            <a:prstDash val="solid"/>
+            <a:miter lim="800000"/>
+          </a:ln>
+          <a:effectLst/>
+        </p:spPr>
+        <p:txBody>
+          <a:bodyPr rtlCol="0" anchor="ctr"/>
+          <a:lstStyle/>
+          <a:p>
+            <a:pPr marL="0" marR="0" lvl="0" indent="0" algn="ctr" defTabSz="914400" eaLnBrk="1" fontAlgn="auto" latinLnBrk="0" hangingPunct="1">
+              <a:lnSpc>
+                <a:spcPct val="100000"/>
+              </a:lnSpc>
+              <a:spcBef>
+                <a:spcPts val="0"/>
+              </a:spcBef>
+              <a:spcAft>
+                <a:spcPts val="0"/>
+              </a:spcAft>
+              <a:buClrTx/>
+              <a:buSzTx/>
+              <a:buFontTx/>
+              <a:buNone/>
+              <a:tabLst/>
+              <a:defRPr/>
+            </a:pPr>
+            <a:r>
+              <a:rPr kumimoji="0" lang="ja-JP" altLang="en-US" sz="1800" b="0" i="0" u="none" strike="noStrike" kern="0" cap="none" spc="0" normalizeH="0" baseline="0" noProof="0" dirty="0">
+                <a:ln>
+                  <a:noFill/>
+                </a:ln>
+                <a:solidFill>
+                  <a:prstClr val="black"/>
+                </a:solidFill>
+                <a:effectLst/>
+                <a:uLnTx/>
+                <a:uFillTx/>
+                <a:latin typeface="+mn-ea"/>
+                <a:cs typeface="+mn-cs"/>
+              </a:rPr>
+              <a:t>高速オシロ</a:t>
+            </a:r>
+            <a:endParaRPr kumimoji="0" lang="en-US" altLang="ja-JP" sz="1800" b="0" i="0" u="none" strike="noStrike" kern="0" cap="none" spc="0" normalizeH="0" baseline="0" noProof="0" dirty="0">
+              <a:ln>
+                <a:noFill/>
+              </a:ln>
+              <a:solidFill>
+                <a:prstClr val="black"/>
+              </a:solidFill>
+              <a:effectLst/>
+              <a:uLnTx/>
+              <a:uFillTx/>
+              <a:latin typeface="+mn-ea"/>
+              <a:cs typeface="+mn-cs"/>
+            </a:endParaRPr>
+          </a:p>
+        </p:txBody>
+      </p:sp>
+      <p:sp>
+        <p:nvSpPr>
+          <p:cNvPr id="34" name="正方形/長方形 33">
+            <a:extLst>
+              <a:ext uri="{FF2B5EF4-FFF2-40B4-BE49-F238E27FC236}">
+                <a16:creationId xmlns:a16="http://schemas.microsoft.com/office/drawing/2014/main" id="{70E5C0A2-2662-45AD-9627-34F2FFB8BE29}"/>
+              </a:ext>
+            </a:extLst>
+          </p:cNvPr>
+          <p:cNvSpPr/>
+          <p:nvPr/>
+        </p:nvSpPr>
+        <p:spPr>
+          <a:xfrm>
+            <a:off x="2725269" y="4200882"/>
+            <a:ext cx="1298143" cy="378020"/>
+          </a:xfrm>
+          <a:prstGeom prst="rect">
+            <a:avLst/>
+          </a:prstGeom>
+          <a:solidFill>
+            <a:srgbClr val="FF0000">
+              <a:alpha val="50000"/>
+            </a:srgbClr>
+          </a:solidFill>
+          <a:ln w="12700" cap="flat" cmpd="sng" algn="ctr">
+            <a:noFill/>
+            <a:prstDash val="solid"/>
+            <a:miter lim="800000"/>
+          </a:ln>
+          <a:effectLst/>
+        </p:spPr>
+        <p:txBody>
+          <a:bodyPr rtlCol="0" anchor="ctr"/>
+          <a:lstStyle/>
+          <a:p>
+            <a:pPr marL="0" marR="0" lvl="0" indent="0" algn="ctr" defTabSz="914400" eaLnBrk="1" fontAlgn="auto" latinLnBrk="0" hangingPunct="1">
+              <a:lnSpc>
+                <a:spcPct val="100000"/>
+              </a:lnSpc>
+              <a:spcBef>
+                <a:spcPts val="0"/>
+              </a:spcBef>
+              <a:spcAft>
+                <a:spcPts val="0"/>
+              </a:spcAft>
+              <a:buClrTx/>
+              <a:buSzTx/>
+              <a:buFontTx/>
+              <a:buNone/>
+              <a:tabLst/>
+              <a:defRPr/>
+            </a:pPr>
+            <a:endParaRPr kumimoji="0" lang="ja-JP" altLang="en-US" sz="1800" b="0" i="0" u="none" strike="noStrike" kern="0" cap="none" spc="0" normalizeH="0" baseline="0" noProof="0">
+              <a:ln>
+                <a:noFill/>
+              </a:ln>
+              <a:solidFill>
+                <a:prstClr val="white"/>
+              </a:solidFill>
+              <a:effectLst/>
+              <a:uLnTx/>
+              <a:uFillTx/>
+              <a:latin typeface="游ゴシック" panose="020F0502020204030204"/>
+              <a:ea typeface="游ゴシック" panose="020B0400000000000000" pitchFamily="50" charset="-128"/>
+              <a:cs typeface="+mn-cs"/>
+            </a:endParaRPr>
+          </a:p>
+        </p:txBody>
+      </p:sp>
+      <p:sp>
+        <p:nvSpPr>
+          <p:cNvPr id="35" name="三角形 61">
+            <a:extLst>
+              <a:ext uri="{FF2B5EF4-FFF2-40B4-BE49-F238E27FC236}">
+                <a16:creationId xmlns:a16="http://schemas.microsoft.com/office/drawing/2014/main" id="{29277CAF-0EF8-4838-98AA-99ADC33A9302}"/>
+              </a:ext>
+            </a:extLst>
+          </p:cNvPr>
+          <p:cNvSpPr/>
+          <p:nvPr/>
+        </p:nvSpPr>
+        <p:spPr>
+          <a:xfrm rot="5400000">
+            <a:off x="4239525" y="3984768"/>
+            <a:ext cx="378022" cy="810248"/>
+          </a:xfrm>
+          <a:prstGeom prst="triangle">
+            <a:avLst/>
+          </a:prstGeom>
+          <a:solidFill>
+            <a:srgbClr val="FF0000">
+              <a:alpha val="50000"/>
+            </a:srgbClr>
+          </a:solidFill>
+          <a:ln w="12700" cap="flat" cmpd="sng" algn="ctr">
+            <a:noFill/>
+            <a:prstDash val="solid"/>
+            <a:miter lim="800000"/>
+          </a:ln>
+          <a:effectLst/>
+        </p:spPr>
+        <p:txBody>
+          <a:bodyPr rtlCol="0" anchor="ctr"/>
+          <a:lstStyle/>
+          <a:p>
+            <a:pPr marL="0" marR="0" lvl="0" indent="0" algn="ctr" defTabSz="914400" eaLnBrk="1" fontAlgn="auto" latinLnBrk="0" hangingPunct="1">
+              <a:lnSpc>
+                <a:spcPct val="100000"/>
+              </a:lnSpc>
+              <a:spcBef>
+                <a:spcPts val="0"/>
+              </a:spcBef>
+              <a:spcAft>
+                <a:spcPts val="0"/>
+              </a:spcAft>
+              <a:buClrTx/>
+              <a:buSzTx/>
+              <a:buFontTx/>
+              <a:buNone/>
+              <a:tabLst/>
+              <a:defRPr/>
+            </a:pPr>
+            <a:endParaRPr kumimoji="0" lang="ja-JP" altLang="en-US" sz="1800" b="0" i="0" u="none" strike="noStrike" kern="0" cap="none" spc="0" normalizeH="0" baseline="0" noProof="0">
+              <a:ln>
+                <a:noFill/>
+              </a:ln>
+              <a:solidFill>
+                <a:prstClr val="white"/>
+              </a:solidFill>
+              <a:effectLst/>
+              <a:uLnTx/>
+              <a:uFillTx/>
+              <a:latin typeface="游ゴシック" panose="020F0502020204030204"/>
+              <a:ea typeface="游ゴシック" panose="020B0400000000000000" pitchFamily="50" charset="-128"/>
+              <a:cs typeface="+mn-cs"/>
+            </a:endParaRPr>
+          </a:p>
+        </p:txBody>
+      </p:sp>
+      <p:sp>
+        <p:nvSpPr>
+          <p:cNvPr id="36" name="円/楕円 11">
+            <a:extLst>
+              <a:ext uri="{FF2B5EF4-FFF2-40B4-BE49-F238E27FC236}">
+                <a16:creationId xmlns:a16="http://schemas.microsoft.com/office/drawing/2014/main" id="{AE9ECD42-858E-43EC-B10B-7CCC8D07F0B1}"/>
+              </a:ext>
+            </a:extLst>
+          </p:cNvPr>
+          <p:cNvSpPr/>
+          <p:nvPr/>
+        </p:nvSpPr>
+        <p:spPr>
+          <a:xfrm>
+            <a:off x="3954649" y="3794538"/>
+            <a:ext cx="208421" cy="1123186"/>
+          </a:xfrm>
+          <a:prstGeom prst="ellipse">
+            <a:avLst/>
+          </a:prstGeom>
+          <a:solidFill>
+            <a:sysClr val="window" lastClr="FFFFFF"/>
+          </a:solidFill>
+          <a:ln w="12700" cap="flat" cmpd="sng" algn="ctr">
+            <a:solidFill>
+              <a:srgbClr val="4A66AC">
+                <a:shade val="50000"/>
+              </a:srgbClr>
+            </a:solidFill>
+            <a:prstDash val="solid"/>
+            <a:miter lim="800000"/>
+          </a:ln>
+          <a:effectLst/>
+        </p:spPr>
+        <p:txBody>
+          <a:bodyPr rtlCol="0" anchor="ctr"/>
+          <a:lstStyle/>
+          <a:p>
+            <a:pPr marL="0" marR="0" lvl="0" indent="0" algn="ctr" defTabSz="914400" eaLnBrk="1" fontAlgn="auto" latinLnBrk="0" hangingPunct="1">
+              <a:lnSpc>
+                <a:spcPct val="100000"/>
+              </a:lnSpc>
+              <a:spcBef>
+                <a:spcPts val="0"/>
+              </a:spcBef>
+              <a:spcAft>
+                <a:spcPts val="0"/>
+              </a:spcAft>
+              <a:buClrTx/>
+              <a:buSzTx/>
+              <a:buFontTx/>
+              <a:buNone/>
+              <a:tabLst/>
+              <a:defRPr/>
+            </a:pPr>
+            <a:endParaRPr kumimoji="0" lang="ja-JP" altLang="en-US" sz="1800" b="0" i="0" u="none" strike="noStrike" kern="0" cap="none" spc="0" normalizeH="0" baseline="0" noProof="0">
+              <a:ln>
+                <a:noFill/>
+              </a:ln>
+              <a:solidFill>
+                <a:prstClr val="white"/>
+              </a:solidFill>
+              <a:effectLst/>
+              <a:uLnTx/>
+              <a:uFillTx/>
+              <a:latin typeface="游ゴシック" panose="020F0502020204030204"/>
+              <a:ea typeface="游ゴシック" panose="020B0400000000000000" pitchFamily="50" charset="-128"/>
+              <a:cs typeface="+mn-cs"/>
+            </a:endParaRPr>
+          </a:p>
+        </p:txBody>
+      </p:sp>
+      <p:sp>
+        <p:nvSpPr>
+          <p:cNvPr id="37" name="片側の 2 つの角を切り取った四角形 10">
+            <a:extLst>
+              <a:ext uri="{FF2B5EF4-FFF2-40B4-BE49-F238E27FC236}">
+                <a16:creationId xmlns:a16="http://schemas.microsoft.com/office/drawing/2014/main" id="{32A31261-4E8D-40AF-991C-EB11F4ADCE31}"/>
+              </a:ext>
+            </a:extLst>
+          </p:cNvPr>
+          <p:cNvSpPr/>
+          <p:nvPr/>
+        </p:nvSpPr>
+        <p:spPr>
+          <a:xfrm rot="16200000">
+            <a:off x="2427386" y="4029852"/>
+            <a:ext cx="631303" cy="720080"/>
+          </a:xfrm>
+          <a:prstGeom prst="snip2SameRect">
+            <a:avLst/>
+          </a:prstGeom>
+          <a:solidFill>
+            <a:sysClr val="window" lastClr="FFFFFF"/>
+          </a:solidFill>
+          <a:ln w="12700" cap="flat" cmpd="sng" algn="ctr">
+            <a:solidFill>
+              <a:srgbClr val="4A66AC">
+                <a:shade val="50000"/>
+              </a:srgbClr>
+            </a:solidFill>
+            <a:prstDash val="solid"/>
+            <a:miter lim="800000"/>
+          </a:ln>
+          <a:effectLst/>
+        </p:spPr>
+        <p:txBody>
+          <a:bodyPr rtlCol="0" anchor="ctr"/>
+          <a:lstStyle/>
+          <a:p>
+            <a:pPr marL="0" marR="0" lvl="0" indent="0" algn="ctr" defTabSz="914400" eaLnBrk="1" fontAlgn="auto" latinLnBrk="0" hangingPunct="1">
+              <a:lnSpc>
+                <a:spcPct val="100000"/>
+              </a:lnSpc>
+              <a:spcBef>
+                <a:spcPts val="0"/>
+              </a:spcBef>
+              <a:spcAft>
+                <a:spcPts val="0"/>
+              </a:spcAft>
+              <a:buClrTx/>
+              <a:buSzTx/>
+              <a:buFontTx/>
+              <a:buNone/>
+              <a:tabLst/>
+              <a:defRPr/>
+            </a:pPr>
+            <a:endParaRPr kumimoji="0" lang="ja-JP" altLang="en-US" sz="1800" b="0" i="0" u="none" strike="noStrike" kern="0" cap="none" spc="0" normalizeH="0" baseline="0" noProof="0">
+              <a:ln>
+                <a:noFill/>
+              </a:ln>
+              <a:solidFill>
+                <a:prstClr val="white"/>
+              </a:solidFill>
+              <a:effectLst/>
+              <a:uLnTx/>
+              <a:uFillTx/>
+              <a:latin typeface="游ゴシック" panose="020F0502020204030204"/>
+              <a:ea typeface="游ゴシック" panose="020B0400000000000000" pitchFamily="50" charset="-128"/>
+              <a:cs typeface="+mn-cs"/>
+            </a:endParaRPr>
+          </a:p>
+        </p:txBody>
+      </p:sp>
+      <p:sp>
+        <p:nvSpPr>
+          <p:cNvPr id="39" name="テキスト ボックス 38">
+            <a:extLst>
+              <a:ext uri="{FF2B5EF4-FFF2-40B4-BE49-F238E27FC236}">
+                <a16:creationId xmlns:a16="http://schemas.microsoft.com/office/drawing/2014/main" id="{31B247B0-00A1-4993-8A13-74CA1C21767D}"/>
+              </a:ext>
+            </a:extLst>
+          </p:cNvPr>
+          <p:cNvSpPr txBox="1"/>
+          <p:nvPr/>
+        </p:nvSpPr>
+        <p:spPr>
+          <a:xfrm>
+            <a:off x="5023547" y="4378262"/>
+            <a:ext cx="1717080" cy="246221"/>
+          </a:xfrm>
+          <a:prstGeom prst="rect">
+            <a:avLst/>
+          </a:prstGeom>
+          <a:noFill/>
+        </p:spPr>
+        <p:txBody>
+          <a:bodyPr wrap="square" rtlCol="0">
+            <a:spAutoFit/>
+          </a:bodyPr>
+          <a:lstStyle/>
+          <a:p>
+            <a:r>
+              <a:rPr lang="en-US" altLang="ja-JP" sz="1000" dirty="0">
+                <a:solidFill>
+                  <a:prstClr val="black"/>
+                </a:solidFill>
+                <a:ea typeface="游ゴシック" panose="020B0400000000000000" pitchFamily="50" charset="-128"/>
+              </a:rPr>
+              <a:t>Single mode fiber</a:t>
+            </a:r>
+          </a:p>
+        </p:txBody>
+      </p:sp>
+      <p:sp>
+        <p:nvSpPr>
+          <p:cNvPr id="40" name="正方形/長方形 39">
+            <a:extLst>
+              <a:ext uri="{FF2B5EF4-FFF2-40B4-BE49-F238E27FC236}">
+                <a16:creationId xmlns:a16="http://schemas.microsoft.com/office/drawing/2014/main" id="{D1A3004E-8F97-46D2-9A36-15FA146DE0CB}"/>
+              </a:ext>
+            </a:extLst>
+          </p:cNvPr>
+          <p:cNvSpPr/>
+          <p:nvPr/>
+        </p:nvSpPr>
+        <p:spPr>
+          <a:xfrm>
+            <a:off x="2452727" y="4701797"/>
+            <a:ext cx="825867" cy="400110"/>
+          </a:xfrm>
+          <a:prstGeom prst="rect">
+            <a:avLst/>
+          </a:prstGeom>
+        </p:spPr>
+        <p:txBody>
+          <a:bodyPr wrap="none">
+            <a:spAutoFit/>
+          </a:bodyPr>
+          <a:lstStyle/>
+          <a:p>
+            <a:r>
+              <a:rPr lang="ja-JP" altLang="en-US" sz="1000" dirty="0">
+                <a:latin typeface="Arial" panose="020B0604020202020204" pitchFamily="34" charset="0"/>
+                <a:ea typeface="ＭＳ ゴシック" panose="020B0609070205080204" pitchFamily="49" charset="-128"/>
+                <a:cs typeface="Arial" panose="020B0604020202020204" pitchFamily="34" charset="0"/>
+              </a:rPr>
+              <a:t>対物レンズ</a:t>
+            </a:r>
+            <a:endParaRPr lang="en-US" altLang="ja-JP" sz="1000" dirty="0">
+              <a:latin typeface="Arial" panose="020B0604020202020204" pitchFamily="34" charset="0"/>
+              <a:ea typeface="ＭＳ ゴシック" panose="020B0609070205080204" pitchFamily="49" charset="-128"/>
+              <a:cs typeface="Arial" panose="020B0604020202020204" pitchFamily="34" charset="0"/>
+            </a:endParaRPr>
+          </a:p>
+          <a:p>
+            <a:r>
+              <a:rPr lang="en-US" altLang="ja-JP" sz="1000" dirty="0">
+                <a:latin typeface="Arial" panose="020B0604020202020204" pitchFamily="34" charset="0"/>
+                <a:ea typeface="ＭＳ ゴシック" panose="020B0609070205080204" pitchFamily="49" charset="-128"/>
+                <a:cs typeface="Arial" panose="020B0604020202020204" pitchFamily="34" charset="0"/>
+              </a:rPr>
+              <a:t>NA=0.68</a:t>
+            </a:r>
+            <a:endParaRPr lang="ja-JP" altLang="en-US" sz="1000" dirty="0">
+              <a:latin typeface="Arial" panose="020B0604020202020204" pitchFamily="34" charset="0"/>
+              <a:ea typeface="ＭＳ ゴシック" panose="020B0609070205080204" pitchFamily="49" charset="-128"/>
+              <a:cs typeface="Arial" panose="020B0604020202020204" pitchFamily="34" charset="0"/>
+            </a:endParaRPr>
+          </a:p>
+        </p:txBody>
+      </p:sp>
+      <p:sp>
+        <p:nvSpPr>
+          <p:cNvPr id="41" name="正方形/長方形 40">
+            <a:extLst>
+              <a:ext uri="{FF2B5EF4-FFF2-40B4-BE49-F238E27FC236}">
+                <a16:creationId xmlns:a16="http://schemas.microsoft.com/office/drawing/2014/main" id="{8A0D26F7-8896-4EA8-9199-4D207E7BB225}"/>
+              </a:ext>
+            </a:extLst>
+          </p:cNvPr>
+          <p:cNvSpPr/>
+          <p:nvPr/>
+        </p:nvSpPr>
+        <p:spPr>
+          <a:xfrm>
+            <a:off x="3580784" y="4917724"/>
+            <a:ext cx="1337872" cy="553998"/>
+          </a:xfrm>
+          <a:prstGeom prst="rect">
+            <a:avLst/>
+          </a:prstGeom>
+        </p:spPr>
+        <p:txBody>
+          <a:bodyPr wrap="square">
+            <a:spAutoFit/>
+          </a:bodyPr>
+          <a:lstStyle/>
+          <a:p>
+            <a:r>
+              <a:rPr lang="ja-JP" altLang="en-US" sz="1000" dirty="0">
+                <a:latin typeface="Arial" panose="020B0604020202020204" pitchFamily="34" charset="0"/>
+                <a:ea typeface="ＭＳ ゴシック" panose="020B0609070205080204" pitchFamily="49" charset="-128"/>
+                <a:cs typeface="Arial" panose="020B0604020202020204" pitchFamily="34" charset="0"/>
+              </a:rPr>
+              <a:t>非球面レンズ</a:t>
+            </a:r>
+            <a:endParaRPr lang="en-US" altLang="ja-JP" sz="1000" dirty="0">
+              <a:latin typeface="Arial" panose="020B0604020202020204" pitchFamily="34" charset="0"/>
+              <a:ea typeface="ＭＳ ゴシック" panose="020B0609070205080204" pitchFamily="49" charset="-128"/>
+              <a:cs typeface="Arial" panose="020B0604020202020204" pitchFamily="34" charset="0"/>
+            </a:endParaRPr>
+          </a:p>
+          <a:p>
+            <a:r>
+              <a:rPr lang="en-US" altLang="ja-JP" sz="1000" dirty="0">
+                <a:latin typeface="Arial" panose="020B0604020202020204" pitchFamily="34" charset="0"/>
+                <a:ea typeface="ＭＳ ゴシック" panose="020B0609070205080204" pitchFamily="49" charset="-128"/>
+                <a:cs typeface="Arial" panose="020B0604020202020204" pitchFamily="34" charset="0"/>
+              </a:rPr>
+              <a:t>F=13.86 mm</a:t>
+            </a:r>
+          </a:p>
+          <a:p>
+            <a:r>
+              <a:rPr lang="en-US" altLang="ja-JP" sz="1000" dirty="0">
+                <a:latin typeface="Arial" panose="020B0604020202020204" pitchFamily="34" charset="0"/>
+                <a:ea typeface="ＭＳ ゴシック" panose="020B0609070205080204" pitchFamily="49" charset="-128"/>
+                <a:cs typeface="Arial" panose="020B0604020202020204" pitchFamily="34" charset="0"/>
+              </a:rPr>
+              <a:t>NA=0.18</a:t>
+            </a:r>
+            <a:endParaRPr lang="ja-JP" altLang="en-US" sz="1000" dirty="0">
+              <a:latin typeface="Arial" panose="020B0604020202020204" pitchFamily="34" charset="0"/>
+              <a:ea typeface="ＭＳ ゴシック" panose="020B0609070205080204" pitchFamily="49" charset="-128"/>
+              <a:cs typeface="Arial" panose="020B0604020202020204" pitchFamily="34" charset="0"/>
+            </a:endParaRPr>
+          </a:p>
+        </p:txBody>
+      </p:sp>
+      <p:sp>
+        <p:nvSpPr>
+          <p:cNvPr id="42" name="正方形/長方形 41">
+            <a:extLst>
+              <a:ext uri="{FF2B5EF4-FFF2-40B4-BE49-F238E27FC236}">
+                <a16:creationId xmlns:a16="http://schemas.microsoft.com/office/drawing/2014/main" id="{9C97611F-CDA1-4BC3-9F98-08616CC67EE3}"/>
+              </a:ext>
+            </a:extLst>
+          </p:cNvPr>
+          <p:cNvSpPr/>
+          <p:nvPr/>
+        </p:nvSpPr>
+        <p:spPr>
+          <a:xfrm>
+            <a:off x="4932392" y="4521268"/>
+            <a:ext cx="1007007" cy="246221"/>
+          </a:xfrm>
+          <a:prstGeom prst="rect">
+            <a:avLst/>
+          </a:prstGeom>
+        </p:spPr>
+        <p:txBody>
+          <a:bodyPr wrap="none">
+            <a:spAutoFit/>
+          </a:bodyPr>
+          <a:lstStyle/>
+          <a:p>
+            <a:r>
+              <a:rPr lang="en-US" altLang="ja-JP" sz="1000" dirty="0">
+                <a:latin typeface="Arial" panose="020B0604020202020204" pitchFamily="34" charset="0"/>
+                <a:ea typeface="ＭＳ ゴシック" panose="020B0609070205080204" pitchFamily="49" charset="-128"/>
+                <a:cs typeface="Arial" panose="020B0604020202020204" pitchFamily="34" charset="0"/>
+              </a:rPr>
+              <a:t>NA=0.13~0.15</a:t>
+            </a:r>
+          </a:p>
+        </p:txBody>
+      </p:sp>
+      <p:cxnSp>
+        <p:nvCxnSpPr>
+          <p:cNvPr id="46" name="直線コネクタ 45">
+            <a:extLst>
+              <a:ext uri="{FF2B5EF4-FFF2-40B4-BE49-F238E27FC236}">
+                <a16:creationId xmlns:a16="http://schemas.microsoft.com/office/drawing/2014/main" id="{CA3899C7-1094-44A9-A597-A12EEE9E9BD4}"/>
+              </a:ext>
+            </a:extLst>
+          </p:cNvPr>
+          <p:cNvCxnSpPr>
+            <a:cxnSpLocks/>
+            <a:stCxn id="6" idx="3"/>
+            <a:endCxn id="4" idx="2"/>
+          </p:cNvCxnSpPr>
+          <p:nvPr/>
+        </p:nvCxnSpPr>
+        <p:spPr>
+          <a:xfrm>
+            <a:off x="2890900" y="2015589"/>
+            <a:ext cx="914618" cy="0"/>
+          </a:xfrm>
+          <a:prstGeom prst="line">
+            <a:avLst/>
+          </a:prstGeom>
+        </p:spPr>
+        <p:style>
+          <a:lnRef idx="1">
+            <a:schemeClr val="accent1"/>
+          </a:lnRef>
+          <a:fillRef idx="0">
+            <a:schemeClr val="accent1"/>
+          </a:fillRef>
+          <a:effectRef idx="0">
+            <a:schemeClr val="accent1"/>
+          </a:effectRef>
+          <a:fontRef idx="minor">
+            <a:schemeClr val="tx1"/>
+          </a:fontRef>
+        </p:style>
+      </p:cxnSp>
+      <p:cxnSp>
+        <p:nvCxnSpPr>
+          <p:cNvPr id="54" name="直線コネクタ 53">
+            <a:extLst>
+              <a:ext uri="{FF2B5EF4-FFF2-40B4-BE49-F238E27FC236}">
+                <a16:creationId xmlns:a16="http://schemas.microsoft.com/office/drawing/2014/main" id="{74F59CC1-0CF0-4173-ADBB-75950BCCC00D}"/>
+              </a:ext>
+            </a:extLst>
+          </p:cNvPr>
+          <p:cNvCxnSpPr>
+            <a:stCxn id="35" idx="0"/>
+            <a:endCxn id="29" idx="1"/>
+          </p:cNvCxnSpPr>
+          <p:nvPr/>
+        </p:nvCxnSpPr>
+        <p:spPr>
+          <a:xfrm>
+            <a:off x="4833660" y="4389892"/>
+            <a:ext cx="1390691" cy="0"/>
+          </a:xfrm>
+          <a:prstGeom prst="line">
+            <a:avLst/>
+          </a:prstGeom>
+        </p:spPr>
+        <p:style>
+          <a:lnRef idx="1">
+            <a:schemeClr val="accent1"/>
+          </a:lnRef>
+          <a:fillRef idx="0">
+            <a:schemeClr val="accent1"/>
+          </a:fillRef>
+          <a:effectRef idx="0">
+            <a:schemeClr val="accent1"/>
+          </a:effectRef>
+          <a:fontRef idx="minor">
+            <a:schemeClr val="tx1"/>
+          </a:fontRef>
+        </p:style>
+      </p:cxnSp>
+      <p:sp>
+        <p:nvSpPr>
+          <p:cNvPr id="55" name="楕円 54">
+            <a:extLst>
+              <a:ext uri="{FF2B5EF4-FFF2-40B4-BE49-F238E27FC236}">
+                <a16:creationId xmlns:a16="http://schemas.microsoft.com/office/drawing/2014/main" id="{B9FFD6BF-D9E1-40FD-B86C-052B52B5CA14}"/>
+              </a:ext>
+            </a:extLst>
+          </p:cNvPr>
+          <p:cNvSpPr/>
+          <p:nvPr/>
+        </p:nvSpPr>
+        <p:spPr>
+          <a:xfrm>
+            <a:off x="5169375" y="3794538"/>
+            <a:ext cx="594652" cy="594652"/>
+          </a:xfrm>
+          <a:prstGeom prst="ellipse">
+            <a:avLst/>
+          </a:prstGeom>
+          <a:noFill/>
+        </p:spPr>
+        <p:style>
+          <a:lnRef idx="2">
+            <a:schemeClr val="accent1">
+              <a:shade val="50000"/>
+            </a:schemeClr>
+          </a:lnRef>
+          <a:fillRef idx="1">
+            <a:schemeClr val="accent1"/>
+          </a:fillRef>
+          <a:effectRef idx="0">
+            <a:schemeClr val="accent1"/>
+          </a:effectRef>
+          <a:fontRef idx="minor">
+            <a:schemeClr val="lt1"/>
+          </a:fontRef>
+        </p:style>
+        <p:txBody>
+          <a:bodyPr rtlCol="0" anchor="ctr"/>
+          <a:lstStyle/>
+          <a:p>
+            <a:pPr algn="ctr"/>
+            <a:endParaRPr kumimoji="1" lang="ja-JP" altLang="en-US"/>
+          </a:p>
+        </p:txBody>
+      </p:sp>
+      <p:sp>
+        <p:nvSpPr>
+          <p:cNvPr id="56" name="楕円 55">
+            <a:extLst>
+              <a:ext uri="{FF2B5EF4-FFF2-40B4-BE49-F238E27FC236}">
+                <a16:creationId xmlns:a16="http://schemas.microsoft.com/office/drawing/2014/main" id="{2527B22E-AB97-468B-A9EB-348E787F56B8}"/>
+              </a:ext>
+            </a:extLst>
+          </p:cNvPr>
+          <p:cNvSpPr/>
+          <p:nvPr/>
+        </p:nvSpPr>
+        <p:spPr>
+          <a:xfrm>
+            <a:off x="5327061" y="3789883"/>
+            <a:ext cx="594652" cy="594652"/>
+          </a:xfrm>
+          <a:prstGeom prst="ellipse">
+            <a:avLst/>
+          </a:prstGeom>
+          <a:noFill/>
+        </p:spPr>
+        <p:style>
+          <a:lnRef idx="2">
+            <a:schemeClr val="accent1">
+              <a:shade val="50000"/>
+            </a:schemeClr>
+          </a:lnRef>
+          <a:fillRef idx="1">
+            <a:schemeClr val="accent1"/>
+          </a:fillRef>
+          <a:effectRef idx="0">
+            <a:schemeClr val="accent1"/>
+          </a:effectRef>
+          <a:fontRef idx="minor">
+            <a:schemeClr val="lt1"/>
+          </a:fontRef>
+        </p:style>
+        <p:txBody>
+          <a:bodyPr rtlCol="0" anchor="ctr"/>
+          <a:lstStyle/>
+          <a:p>
+            <a:pPr algn="ctr"/>
+            <a:endParaRPr kumimoji="1" lang="ja-JP" altLang="en-US"/>
+          </a:p>
+        </p:txBody>
+      </p:sp>
+      <p:sp>
+        <p:nvSpPr>
+          <p:cNvPr id="57" name="フリーフォーム: 図形 56">
+            <a:extLst>
+              <a:ext uri="{FF2B5EF4-FFF2-40B4-BE49-F238E27FC236}">
+                <a16:creationId xmlns:a16="http://schemas.microsoft.com/office/drawing/2014/main" id="{14206B1B-0169-40EF-9156-0DD8D20BEB70}"/>
+              </a:ext>
+            </a:extLst>
+          </p:cNvPr>
+          <p:cNvSpPr/>
+          <p:nvPr/>
+        </p:nvSpPr>
+        <p:spPr>
+          <a:xfrm>
+            <a:off x="166085" y="2014264"/>
+            <a:ext cx="8686017" cy="2386948"/>
+          </a:xfrm>
+          <a:custGeom>
+            <a:avLst/>
+            <a:gdLst>
+              <a:gd name="connsiteX0" fmla="*/ 1043385 w 9520600"/>
+              <a:gd name="connsiteY0" fmla="*/ 2583593 h 2638101"/>
+              <a:gd name="connsiteX1" fmla="*/ 620691 w 9520600"/>
+              <a:gd name="connsiteY1" fmla="*/ 2557713 h 2638101"/>
+              <a:gd name="connsiteX2" fmla="*/ 663823 w 9520600"/>
+              <a:gd name="connsiteY2" fmla="*/ 1815842 h 2638101"/>
+              <a:gd name="connsiteX3" fmla="*/ 9229853 w 9520600"/>
+              <a:gd name="connsiteY3" fmla="*/ 1513917 h 2638101"/>
+              <a:gd name="connsiteX4" fmla="*/ 7409679 w 9520600"/>
+              <a:gd name="connsiteY4" fmla="*/ 81932 h 2638101"/>
+              <a:gd name="connsiteX5" fmla="*/ 6357257 w 9520600"/>
+              <a:gd name="connsiteY5" fmla="*/ 176823 h 2638101"/>
+              <a:gd name="connsiteX6" fmla="*/ 6305498 w 9520600"/>
+              <a:gd name="connsiteY6" fmla="*/ 185449 h 2638101"/>
+              <a:gd name="connsiteX0" fmla="*/ 1043385 w 9736876"/>
+              <a:gd name="connsiteY0" fmla="*/ 2414523 h 2469031"/>
+              <a:gd name="connsiteX1" fmla="*/ 620691 w 9736876"/>
+              <a:gd name="connsiteY1" fmla="*/ 2388643 h 2469031"/>
+              <a:gd name="connsiteX2" fmla="*/ 663823 w 9736876"/>
+              <a:gd name="connsiteY2" fmla="*/ 1646772 h 2469031"/>
+              <a:gd name="connsiteX3" fmla="*/ 9229853 w 9736876"/>
+              <a:gd name="connsiteY3" fmla="*/ 1344847 h 2469031"/>
+              <a:gd name="connsiteX4" fmla="*/ 8487981 w 9736876"/>
+              <a:gd name="connsiteY4" fmla="*/ 154401 h 2469031"/>
+              <a:gd name="connsiteX5" fmla="*/ 6357257 w 9736876"/>
+              <a:gd name="connsiteY5" fmla="*/ 7753 h 2469031"/>
+              <a:gd name="connsiteX6" fmla="*/ 6305498 w 9736876"/>
+              <a:gd name="connsiteY6" fmla="*/ 16379 h 2469031"/>
+              <a:gd name="connsiteX0" fmla="*/ 1043385 w 9736876"/>
+              <a:gd name="connsiteY0" fmla="*/ 2436201 h 2490709"/>
+              <a:gd name="connsiteX1" fmla="*/ 620691 w 9736876"/>
+              <a:gd name="connsiteY1" fmla="*/ 2410321 h 2490709"/>
+              <a:gd name="connsiteX2" fmla="*/ 663823 w 9736876"/>
+              <a:gd name="connsiteY2" fmla="*/ 1668450 h 2490709"/>
+              <a:gd name="connsiteX3" fmla="*/ 9229853 w 9736876"/>
+              <a:gd name="connsiteY3" fmla="*/ 1366525 h 2490709"/>
+              <a:gd name="connsiteX4" fmla="*/ 8487981 w 9736876"/>
+              <a:gd name="connsiteY4" fmla="*/ 176079 h 2490709"/>
+              <a:gd name="connsiteX5" fmla="*/ 6357257 w 9736876"/>
+              <a:gd name="connsiteY5" fmla="*/ 29431 h 2490709"/>
+              <a:gd name="connsiteX6" fmla="*/ 7211271 w 9736876"/>
+              <a:gd name="connsiteY6" fmla="*/ 408993 h 2490709"/>
+              <a:gd name="connsiteX0" fmla="*/ 1043385 w 9713408"/>
+              <a:gd name="connsiteY0" fmla="*/ 2302050 h 2356558"/>
+              <a:gd name="connsiteX1" fmla="*/ 620691 w 9713408"/>
+              <a:gd name="connsiteY1" fmla="*/ 2276170 h 2356558"/>
+              <a:gd name="connsiteX2" fmla="*/ 663823 w 9713408"/>
+              <a:gd name="connsiteY2" fmla="*/ 1534299 h 2356558"/>
+              <a:gd name="connsiteX3" fmla="*/ 9229853 w 9713408"/>
+              <a:gd name="connsiteY3" fmla="*/ 1232374 h 2356558"/>
+              <a:gd name="connsiteX4" fmla="*/ 8487981 w 9713408"/>
+              <a:gd name="connsiteY4" fmla="*/ 41928 h 2356558"/>
+              <a:gd name="connsiteX5" fmla="*/ 7211271 w 9713408"/>
+              <a:gd name="connsiteY5" fmla="*/ 274842 h 2356558"/>
+              <a:gd name="connsiteX0" fmla="*/ 1043385 w 9738109"/>
+              <a:gd name="connsiteY0" fmla="*/ 2416941 h 2471449"/>
+              <a:gd name="connsiteX1" fmla="*/ 620691 w 9738109"/>
+              <a:gd name="connsiteY1" fmla="*/ 2391061 h 2471449"/>
+              <a:gd name="connsiteX2" fmla="*/ 663823 w 9738109"/>
+              <a:gd name="connsiteY2" fmla="*/ 1649190 h 2471449"/>
+              <a:gd name="connsiteX3" fmla="*/ 9229853 w 9738109"/>
+              <a:gd name="connsiteY3" fmla="*/ 1347265 h 2471449"/>
+              <a:gd name="connsiteX4" fmla="*/ 8487981 w 9738109"/>
+              <a:gd name="connsiteY4" fmla="*/ 156819 h 2471449"/>
+              <a:gd name="connsiteX5" fmla="*/ 6314123 w 9738109"/>
+              <a:gd name="connsiteY5" fmla="*/ 44677 h 2471449"/>
+              <a:gd name="connsiteX0" fmla="*/ 1043385 w 9738109"/>
+              <a:gd name="connsiteY0" fmla="*/ 2380976 h 2435484"/>
+              <a:gd name="connsiteX1" fmla="*/ 620691 w 9738109"/>
+              <a:gd name="connsiteY1" fmla="*/ 2355096 h 2435484"/>
+              <a:gd name="connsiteX2" fmla="*/ 663823 w 9738109"/>
+              <a:gd name="connsiteY2" fmla="*/ 1613225 h 2435484"/>
+              <a:gd name="connsiteX3" fmla="*/ 9229853 w 9738109"/>
+              <a:gd name="connsiteY3" fmla="*/ 1311300 h 2435484"/>
+              <a:gd name="connsiteX4" fmla="*/ 8487981 w 9738109"/>
+              <a:gd name="connsiteY4" fmla="*/ 120854 h 2435484"/>
+              <a:gd name="connsiteX5" fmla="*/ 6314123 w 9738109"/>
+              <a:gd name="connsiteY5" fmla="*/ 8712 h 2435484"/>
+              <a:gd name="connsiteX0" fmla="*/ 1043385 w 9765910"/>
+              <a:gd name="connsiteY0" fmla="*/ 2372264 h 2426772"/>
+              <a:gd name="connsiteX1" fmla="*/ 620691 w 9765910"/>
+              <a:gd name="connsiteY1" fmla="*/ 2346384 h 2426772"/>
+              <a:gd name="connsiteX2" fmla="*/ 663823 w 9765910"/>
+              <a:gd name="connsiteY2" fmla="*/ 1604513 h 2426772"/>
+              <a:gd name="connsiteX3" fmla="*/ 9229853 w 9765910"/>
+              <a:gd name="connsiteY3" fmla="*/ 1302588 h 2426772"/>
+              <a:gd name="connsiteX4" fmla="*/ 8487981 w 9765910"/>
+              <a:gd name="connsiteY4" fmla="*/ 112142 h 2426772"/>
+              <a:gd name="connsiteX5" fmla="*/ 6314123 w 9765910"/>
+              <a:gd name="connsiteY5" fmla="*/ 0 h 2426772"/>
+              <a:gd name="connsiteX0" fmla="*/ 1043385 w 9680247"/>
+              <a:gd name="connsiteY0" fmla="*/ 2372264 h 2426772"/>
+              <a:gd name="connsiteX1" fmla="*/ 620691 w 9680247"/>
+              <a:gd name="connsiteY1" fmla="*/ 2346384 h 2426772"/>
+              <a:gd name="connsiteX2" fmla="*/ 663823 w 9680247"/>
+              <a:gd name="connsiteY2" fmla="*/ 1604513 h 2426772"/>
+              <a:gd name="connsiteX3" fmla="*/ 9229853 w 9680247"/>
+              <a:gd name="connsiteY3" fmla="*/ 1302588 h 2426772"/>
+              <a:gd name="connsiteX4" fmla="*/ 8487981 w 9680247"/>
+              <a:gd name="connsiteY4" fmla="*/ 112142 h 2426772"/>
+              <a:gd name="connsiteX5" fmla="*/ 6314123 w 9680247"/>
+              <a:gd name="connsiteY5" fmla="*/ 0 h 2426772"/>
+              <a:gd name="connsiteX0" fmla="*/ 1043385 w 9757372"/>
+              <a:gd name="connsiteY0" fmla="*/ 2582400 h 2636908"/>
+              <a:gd name="connsiteX1" fmla="*/ 620691 w 9757372"/>
+              <a:gd name="connsiteY1" fmla="*/ 2556520 h 2636908"/>
+              <a:gd name="connsiteX2" fmla="*/ 663823 w 9757372"/>
+              <a:gd name="connsiteY2" fmla="*/ 1814649 h 2636908"/>
+              <a:gd name="connsiteX3" fmla="*/ 9229853 w 9757372"/>
+              <a:gd name="connsiteY3" fmla="*/ 1512724 h 2636908"/>
+              <a:gd name="connsiteX4" fmla="*/ 8798532 w 9757372"/>
+              <a:gd name="connsiteY4" fmla="*/ 3100 h 2636908"/>
+              <a:gd name="connsiteX5" fmla="*/ 6314123 w 9757372"/>
+              <a:gd name="connsiteY5" fmla="*/ 210136 h 2636908"/>
+              <a:gd name="connsiteX0" fmla="*/ 1043385 w 9994982"/>
+              <a:gd name="connsiteY0" fmla="*/ 2660001 h 2714509"/>
+              <a:gd name="connsiteX1" fmla="*/ 620691 w 9994982"/>
+              <a:gd name="connsiteY1" fmla="*/ 2634121 h 2714509"/>
+              <a:gd name="connsiteX2" fmla="*/ 663823 w 9994982"/>
+              <a:gd name="connsiteY2" fmla="*/ 1892250 h 2714509"/>
+              <a:gd name="connsiteX3" fmla="*/ 9229853 w 9994982"/>
+              <a:gd name="connsiteY3" fmla="*/ 1590325 h 2714509"/>
+              <a:gd name="connsiteX4" fmla="*/ 8798532 w 9994982"/>
+              <a:gd name="connsiteY4" fmla="*/ 80701 h 2714509"/>
+              <a:gd name="connsiteX5" fmla="*/ 6314123 w 9994982"/>
+              <a:gd name="connsiteY5" fmla="*/ 287737 h 2714509"/>
+              <a:gd name="connsiteX0" fmla="*/ 1043385 w 10006010"/>
+              <a:gd name="connsiteY0" fmla="*/ 2381367 h 2435875"/>
+              <a:gd name="connsiteX1" fmla="*/ 620691 w 10006010"/>
+              <a:gd name="connsiteY1" fmla="*/ 2355487 h 2435875"/>
+              <a:gd name="connsiteX2" fmla="*/ 663823 w 10006010"/>
+              <a:gd name="connsiteY2" fmla="*/ 1613616 h 2435875"/>
+              <a:gd name="connsiteX3" fmla="*/ 9229853 w 10006010"/>
+              <a:gd name="connsiteY3" fmla="*/ 1311691 h 2435875"/>
+              <a:gd name="connsiteX4" fmla="*/ 8824411 w 10006010"/>
+              <a:gd name="connsiteY4" fmla="*/ 164376 h 2435875"/>
+              <a:gd name="connsiteX5" fmla="*/ 6314123 w 10006010"/>
+              <a:gd name="connsiteY5" fmla="*/ 9103 h 2435875"/>
+              <a:gd name="connsiteX0" fmla="*/ 1043385 w 9783387"/>
+              <a:gd name="connsiteY0" fmla="*/ 2372264 h 2426772"/>
+              <a:gd name="connsiteX1" fmla="*/ 620691 w 9783387"/>
+              <a:gd name="connsiteY1" fmla="*/ 2346384 h 2426772"/>
+              <a:gd name="connsiteX2" fmla="*/ 663823 w 9783387"/>
+              <a:gd name="connsiteY2" fmla="*/ 1604513 h 2426772"/>
+              <a:gd name="connsiteX3" fmla="*/ 9229853 w 9783387"/>
+              <a:gd name="connsiteY3" fmla="*/ 1302588 h 2426772"/>
+              <a:gd name="connsiteX4" fmla="*/ 8824411 w 9783387"/>
+              <a:gd name="connsiteY4" fmla="*/ 155273 h 2426772"/>
+              <a:gd name="connsiteX5" fmla="*/ 6314123 w 9783387"/>
+              <a:gd name="connsiteY5" fmla="*/ 0 h 2426772"/>
+              <a:gd name="connsiteX0" fmla="*/ 1043385 w 9399858"/>
+              <a:gd name="connsiteY0" fmla="*/ 2372264 h 2426772"/>
+              <a:gd name="connsiteX1" fmla="*/ 620691 w 9399858"/>
+              <a:gd name="connsiteY1" fmla="*/ 2346384 h 2426772"/>
+              <a:gd name="connsiteX2" fmla="*/ 663823 w 9399858"/>
+              <a:gd name="connsiteY2" fmla="*/ 1604513 h 2426772"/>
+              <a:gd name="connsiteX3" fmla="*/ 9229853 w 9399858"/>
+              <a:gd name="connsiteY3" fmla="*/ 1302588 h 2426772"/>
+              <a:gd name="connsiteX4" fmla="*/ 6314123 w 9399858"/>
+              <a:gd name="connsiteY4" fmla="*/ 0 h 2426772"/>
+              <a:gd name="connsiteX0" fmla="*/ 1043385 w 9745073"/>
+              <a:gd name="connsiteY0" fmla="*/ 2372264 h 2426772"/>
+              <a:gd name="connsiteX1" fmla="*/ 620691 w 9745073"/>
+              <a:gd name="connsiteY1" fmla="*/ 2346384 h 2426772"/>
+              <a:gd name="connsiteX2" fmla="*/ 663823 w 9745073"/>
+              <a:gd name="connsiteY2" fmla="*/ 1604513 h 2426772"/>
+              <a:gd name="connsiteX3" fmla="*/ 9229853 w 9745073"/>
+              <a:gd name="connsiteY3" fmla="*/ 1302588 h 2426772"/>
+              <a:gd name="connsiteX4" fmla="*/ 8513860 w 9745073"/>
+              <a:gd name="connsiteY4" fmla="*/ 698738 h 2426772"/>
+              <a:gd name="connsiteX5" fmla="*/ 6314123 w 9745073"/>
+              <a:gd name="connsiteY5" fmla="*/ 0 h 2426772"/>
+              <a:gd name="connsiteX0" fmla="*/ 1043385 w 9771520"/>
+              <a:gd name="connsiteY0" fmla="*/ 2372264 h 2426772"/>
+              <a:gd name="connsiteX1" fmla="*/ 620691 w 9771520"/>
+              <a:gd name="connsiteY1" fmla="*/ 2346384 h 2426772"/>
+              <a:gd name="connsiteX2" fmla="*/ 663823 w 9771520"/>
+              <a:gd name="connsiteY2" fmla="*/ 1604513 h 2426772"/>
+              <a:gd name="connsiteX3" fmla="*/ 9229853 w 9771520"/>
+              <a:gd name="connsiteY3" fmla="*/ 1302588 h 2426772"/>
+              <a:gd name="connsiteX4" fmla="*/ 8608750 w 9771520"/>
+              <a:gd name="connsiteY4" fmla="*/ 120768 h 2426772"/>
+              <a:gd name="connsiteX5" fmla="*/ 6314123 w 9771520"/>
+              <a:gd name="connsiteY5" fmla="*/ 0 h 2426772"/>
+              <a:gd name="connsiteX0" fmla="*/ 1043385 w 9771520"/>
+              <a:gd name="connsiteY0" fmla="*/ 2385208 h 2439716"/>
+              <a:gd name="connsiteX1" fmla="*/ 620691 w 9771520"/>
+              <a:gd name="connsiteY1" fmla="*/ 2359328 h 2439716"/>
+              <a:gd name="connsiteX2" fmla="*/ 663823 w 9771520"/>
+              <a:gd name="connsiteY2" fmla="*/ 1617457 h 2439716"/>
+              <a:gd name="connsiteX3" fmla="*/ 9229853 w 9771520"/>
+              <a:gd name="connsiteY3" fmla="*/ 1315532 h 2439716"/>
+              <a:gd name="connsiteX4" fmla="*/ 8608750 w 9771520"/>
+              <a:gd name="connsiteY4" fmla="*/ 133712 h 2439716"/>
+              <a:gd name="connsiteX5" fmla="*/ 6314123 w 9771520"/>
+              <a:gd name="connsiteY5" fmla="*/ 12944 h 2439716"/>
+              <a:gd name="connsiteX0" fmla="*/ 966190 w 8999001"/>
+              <a:gd name="connsiteY0" fmla="*/ 2385208 h 2439716"/>
+              <a:gd name="connsiteX1" fmla="*/ 543496 w 8999001"/>
+              <a:gd name="connsiteY1" fmla="*/ 2359328 h 2439716"/>
+              <a:gd name="connsiteX2" fmla="*/ 586628 w 8999001"/>
+              <a:gd name="connsiteY2" fmla="*/ 1617457 h 2439716"/>
+              <a:gd name="connsiteX3" fmla="*/ 8108861 w 8999001"/>
+              <a:gd name="connsiteY3" fmla="*/ 1436301 h 2439716"/>
+              <a:gd name="connsiteX4" fmla="*/ 8531555 w 8999001"/>
+              <a:gd name="connsiteY4" fmla="*/ 133712 h 2439716"/>
+              <a:gd name="connsiteX5" fmla="*/ 6236928 w 8999001"/>
+              <a:gd name="connsiteY5" fmla="*/ 12944 h 2439716"/>
+              <a:gd name="connsiteX0" fmla="*/ 667672 w 8674389"/>
+              <a:gd name="connsiteY0" fmla="*/ 2385208 h 2442599"/>
+              <a:gd name="connsiteX1" fmla="*/ 244978 w 8674389"/>
+              <a:gd name="connsiteY1" fmla="*/ 2359328 h 2442599"/>
+              <a:gd name="connsiteX2" fmla="*/ 710804 w 8674389"/>
+              <a:gd name="connsiteY2" fmla="*/ 1574325 h 2442599"/>
+              <a:gd name="connsiteX3" fmla="*/ 7810343 w 8674389"/>
+              <a:gd name="connsiteY3" fmla="*/ 1436301 h 2442599"/>
+              <a:gd name="connsiteX4" fmla="*/ 8233037 w 8674389"/>
+              <a:gd name="connsiteY4" fmla="*/ 133712 h 2442599"/>
+              <a:gd name="connsiteX5" fmla="*/ 5938410 w 8674389"/>
+              <a:gd name="connsiteY5" fmla="*/ 12944 h 2442599"/>
+              <a:gd name="connsiteX0" fmla="*/ 684501 w 8691218"/>
+              <a:gd name="connsiteY0" fmla="*/ 2385208 h 2447581"/>
+              <a:gd name="connsiteX1" fmla="*/ 227301 w 8691218"/>
+              <a:gd name="connsiteY1" fmla="*/ 2367954 h 2447581"/>
+              <a:gd name="connsiteX2" fmla="*/ 727633 w 8691218"/>
+              <a:gd name="connsiteY2" fmla="*/ 1574325 h 2447581"/>
+              <a:gd name="connsiteX3" fmla="*/ 7827172 w 8691218"/>
+              <a:gd name="connsiteY3" fmla="*/ 1436301 h 2447581"/>
+              <a:gd name="connsiteX4" fmla="*/ 8249866 w 8691218"/>
+              <a:gd name="connsiteY4" fmla="*/ 133712 h 2447581"/>
+              <a:gd name="connsiteX5" fmla="*/ 5955239 w 8691218"/>
+              <a:gd name="connsiteY5" fmla="*/ 12944 h 2447581"/>
+              <a:gd name="connsiteX0" fmla="*/ 684501 w 8691218"/>
+              <a:gd name="connsiteY0" fmla="*/ 2385208 h 2434888"/>
+              <a:gd name="connsiteX1" fmla="*/ 227301 w 8691218"/>
+              <a:gd name="connsiteY1" fmla="*/ 2367954 h 2434888"/>
+              <a:gd name="connsiteX2" fmla="*/ 727633 w 8691218"/>
+              <a:gd name="connsiteY2" fmla="*/ 1574325 h 2434888"/>
+              <a:gd name="connsiteX3" fmla="*/ 7827172 w 8691218"/>
+              <a:gd name="connsiteY3" fmla="*/ 1436301 h 2434888"/>
+              <a:gd name="connsiteX4" fmla="*/ 8249866 w 8691218"/>
+              <a:gd name="connsiteY4" fmla="*/ 133712 h 2434888"/>
+              <a:gd name="connsiteX5" fmla="*/ 5955239 w 8691218"/>
+              <a:gd name="connsiteY5" fmla="*/ 12944 h 2434888"/>
+              <a:gd name="connsiteX0" fmla="*/ 688786 w 8695503"/>
+              <a:gd name="connsiteY0" fmla="*/ 2385208 h 2385873"/>
+              <a:gd name="connsiteX1" fmla="*/ 222959 w 8695503"/>
+              <a:gd name="connsiteY1" fmla="*/ 2195426 h 2385873"/>
+              <a:gd name="connsiteX2" fmla="*/ 731918 w 8695503"/>
+              <a:gd name="connsiteY2" fmla="*/ 1574325 h 2385873"/>
+              <a:gd name="connsiteX3" fmla="*/ 7831457 w 8695503"/>
+              <a:gd name="connsiteY3" fmla="*/ 1436301 h 2385873"/>
+              <a:gd name="connsiteX4" fmla="*/ 8254151 w 8695503"/>
+              <a:gd name="connsiteY4" fmla="*/ 133712 h 2385873"/>
+              <a:gd name="connsiteX5" fmla="*/ 5959524 w 8695503"/>
+              <a:gd name="connsiteY5" fmla="*/ 12944 h 2385873"/>
+              <a:gd name="connsiteX0" fmla="*/ 712457 w 8719174"/>
+              <a:gd name="connsiteY0" fmla="*/ 2385208 h 2386397"/>
+              <a:gd name="connsiteX1" fmla="*/ 246630 w 8719174"/>
+              <a:gd name="connsiteY1" fmla="*/ 2195426 h 2386397"/>
+              <a:gd name="connsiteX2" fmla="*/ 755589 w 8719174"/>
+              <a:gd name="connsiteY2" fmla="*/ 1574325 h 2386397"/>
+              <a:gd name="connsiteX3" fmla="*/ 7855128 w 8719174"/>
+              <a:gd name="connsiteY3" fmla="*/ 1436301 h 2386397"/>
+              <a:gd name="connsiteX4" fmla="*/ 8277822 w 8719174"/>
+              <a:gd name="connsiteY4" fmla="*/ 133712 h 2386397"/>
+              <a:gd name="connsiteX5" fmla="*/ 5983195 w 8719174"/>
+              <a:gd name="connsiteY5" fmla="*/ 12944 h 2386397"/>
+              <a:gd name="connsiteX0" fmla="*/ 712457 w 8719174"/>
+              <a:gd name="connsiteY0" fmla="*/ 2385208 h 2427533"/>
+              <a:gd name="connsiteX1" fmla="*/ 246630 w 8719174"/>
+              <a:gd name="connsiteY1" fmla="*/ 2333448 h 2427533"/>
+              <a:gd name="connsiteX2" fmla="*/ 755589 w 8719174"/>
+              <a:gd name="connsiteY2" fmla="*/ 1574325 h 2427533"/>
+              <a:gd name="connsiteX3" fmla="*/ 7855128 w 8719174"/>
+              <a:gd name="connsiteY3" fmla="*/ 1436301 h 2427533"/>
+              <a:gd name="connsiteX4" fmla="*/ 8277822 w 8719174"/>
+              <a:gd name="connsiteY4" fmla="*/ 133712 h 2427533"/>
+              <a:gd name="connsiteX5" fmla="*/ 5983195 w 8719174"/>
+              <a:gd name="connsiteY5" fmla="*/ 12944 h 2427533"/>
+              <a:gd name="connsiteX0" fmla="*/ 746210 w 8752927"/>
+              <a:gd name="connsiteY0" fmla="*/ 2385208 h 2416814"/>
+              <a:gd name="connsiteX1" fmla="*/ 280383 w 8752927"/>
+              <a:gd name="connsiteY1" fmla="*/ 2333448 h 2416814"/>
+              <a:gd name="connsiteX2" fmla="*/ 789342 w 8752927"/>
+              <a:gd name="connsiteY2" fmla="*/ 1574325 h 2416814"/>
+              <a:gd name="connsiteX3" fmla="*/ 7888881 w 8752927"/>
+              <a:gd name="connsiteY3" fmla="*/ 1436301 h 2416814"/>
+              <a:gd name="connsiteX4" fmla="*/ 8311575 w 8752927"/>
+              <a:gd name="connsiteY4" fmla="*/ 133712 h 2416814"/>
+              <a:gd name="connsiteX5" fmla="*/ 6016948 w 8752927"/>
+              <a:gd name="connsiteY5" fmla="*/ 12944 h 2416814"/>
+              <a:gd name="connsiteX0" fmla="*/ 495309 w 8502026"/>
+              <a:gd name="connsiteY0" fmla="*/ 2385208 h 2385208"/>
+              <a:gd name="connsiteX1" fmla="*/ 538441 w 8502026"/>
+              <a:gd name="connsiteY1" fmla="*/ 1574325 h 2385208"/>
+              <a:gd name="connsiteX2" fmla="*/ 7637980 w 8502026"/>
+              <a:gd name="connsiteY2" fmla="*/ 1436301 h 2385208"/>
+              <a:gd name="connsiteX3" fmla="*/ 8060674 w 8502026"/>
+              <a:gd name="connsiteY3" fmla="*/ 133712 h 2385208"/>
+              <a:gd name="connsiteX4" fmla="*/ 5766047 w 8502026"/>
+              <a:gd name="connsiteY4" fmla="*/ 12944 h 2385208"/>
+              <a:gd name="connsiteX0" fmla="*/ 576199 w 8582916"/>
+              <a:gd name="connsiteY0" fmla="*/ 2385208 h 2385208"/>
+              <a:gd name="connsiteX1" fmla="*/ 360539 w 8582916"/>
+              <a:gd name="connsiteY1" fmla="*/ 2152294 h 2385208"/>
+              <a:gd name="connsiteX2" fmla="*/ 619331 w 8582916"/>
+              <a:gd name="connsiteY2" fmla="*/ 1574325 h 2385208"/>
+              <a:gd name="connsiteX3" fmla="*/ 7718870 w 8582916"/>
+              <a:gd name="connsiteY3" fmla="*/ 1436301 h 2385208"/>
+              <a:gd name="connsiteX4" fmla="*/ 8141564 w 8582916"/>
+              <a:gd name="connsiteY4" fmla="*/ 133712 h 2385208"/>
+              <a:gd name="connsiteX5" fmla="*/ 5846937 w 8582916"/>
+              <a:gd name="connsiteY5" fmla="*/ 12944 h 2385208"/>
+              <a:gd name="connsiteX0" fmla="*/ 706241 w 8712958"/>
+              <a:gd name="connsiteY0" fmla="*/ 2385208 h 2430707"/>
+              <a:gd name="connsiteX1" fmla="*/ 205910 w 8712958"/>
+              <a:gd name="connsiteY1" fmla="*/ 2376581 h 2430707"/>
+              <a:gd name="connsiteX2" fmla="*/ 749373 w 8712958"/>
+              <a:gd name="connsiteY2" fmla="*/ 1574325 h 2430707"/>
+              <a:gd name="connsiteX3" fmla="*/ 7848912 w 8712958"/>
+              <a:gd name="connsiteY3" fmla="*/ 1436301 h 2430707"/>
+              <a:gd name="connsiteX4" fmla="*/ 8271606 w 8712958"/>
+              <a:gd name="connsiteY4" fmla="*/ 133712 h 2430707"/>
+              <a:gd name="connsiteX5" fmla="*/ 5976979 w 8712958"/>
+              <a:gd name="connsiteY5" fmla="*/ 12944 h 2430707"/>
+              <a:gd name="connsiteX0" fmla="*/ 706241 w 8712958"/>
+              <a:gd name="connsiteY0" fmla="*/ 2385208 h 2440002"/>
+              <a:gd name="connsiteX1" fmla="*/ 205910 w 8712958"/>
+              <a:gd name="connsiteY1" fmla="*/ 2376581 h 2440002"/>
+              <a:gd name="connsiteX2" fmla="*/ 749373 w 8712958"/>
+              <a:gd name="connsiteY2" fmla="*/ 1574325 h 2440002"/>
+              <a:gd name="connsiteX3" fmla="*/ 7848912 w 8712958"/>
+              <a:gd name="connsiteY3" fmla="*/ 1436301 h 2440002"/>
+              <a:gd name="connsiteX4" fmla="*/ 8271606 w 8712958"/>
+              <a:gd name="connsiteY4" fmla="*/ 133712 h 2440002"/>
+              <a:gd name="connsiteX5" fmla="*/ 5976979 w 8712958"/>
+              <a:gd name="connsiteY5" fmla="*/ 12944 h 2440002"/>
+              <a:gd name="connsiteX0" fmla="*/ 706241 w 8712958"/>
+              <a:gd name="connsiteY0" fmla="*/ 2385208 h 2409512"/>
+              <a:gd name="connsiteX1" fmla="*/ 205910 w 8712958"/>
+              <a:gd name="connsiteY1" fmla="*/ 2376581 h 2409512"/>
+              <a:gd name="connsiteX2" fmla="*/ 749373 w 8712958"/>
+              <a:gd name="connsiteY2" fmla="*/ 1574325 h 2409512"/>
+              <a:gd name="connsiteX3" fmla="*/ 7848912 w 8712958"/>
+              <a:gd name="connsiteY3" fmla="*/ 1436301 h 2409512"/>
+              <a:gd name="connsiteX4" fmla="*/ 8271606 w 8712958"/>
+              <a:gd name="connsiteY4" fmla="*/ 133712 h 2409512"/>
+              <a:gd name="connsiteX5" fmla="*/ 5976979 w 8712958"/>
+              <a:gd name="connsiteY5" fmla="*/ 12944 h 2409512"/>
+              <a:gd name="connsiteX0" fmla="*/ 651322 w 8658039"/>
+              <a:gd name="connsiteY0" fmla="*/ 2385208 h 2398815"/>
+              <a:gd name="connsiteX1" fmla="*/ 263134 w 8658039"/>
+              <a:gd name="connsiteY1" fmla="*/ 2359328 h 2398815"/>
+              <a:gd name="connsiteX2" fmla="*/ 694454 w 8658039"/>
+              <a:gd name="connsiteY2" fmla="*/ 1574325 h 2398815"/>
+              <a:gd name="connsiteX3" fmla="*/ 7793993 w 8658039"/>
+              <a:gd name="connsiteY3" fmla="*/ 1436301 h 2398815"/>
+              <a:gd name="connsiteX4" fmla="*/ 8216687 w 8658039"/>
+              <a:gd name="connsiteY4" fmla="*/ 133712 h 2398815"/>
+              <a:gd name="connsiteX5" fmla="*/ 5922060 w 8658039"/>
+              <a:gd name="connsiteY5" fmla="*/ 12944 h 2398815"/>
+              <a:gd name="connsiteX0" fmla="*/ 679300 w 8686017"/>
+              <a:gd name="connsiteY0" fmla="*/ 2385208 h 2398815"/>
+              <a:gd name="connsiteX1" fmla="*/ 291112 w 8686017"/>
+              <a:gd name="connsiteY1" fmla="*/ 2359328 h 2398815"/>
+              <a:gd name="connsiteX2" fmla="*/ 722432 w 8686017"/>
+              <a:gd name="connsiteY2" fmla="*/ 1574325 h 2398815"/>
+              <a:gd name="connsiteX3" fmla="*/ 7821971 w 8686017"/>
+              <a:gd name="connsiteY3" fmla="*/ 1436301 h 2398815"/>
+              <a:gd name="connsiteX4" fmla="*/ 8244665 w 8686017"/>
+              <a:gd name="connsiteY4" fmla="*/ 133712 h 2398815"/>
+              <a:gd name="connsiteX5" fmla="*/ 5950038 w 8686017"/>
+              <a:gd name="connsiteY5" fmla="*/ 12944 h 2398815"/>
+              <a:gd name="connsiteX0" fmla="*/ 679300 w 8686017"/>
+              <a:gd name="connsiteY0" fmla="*/ 2385208 h 2386948"/>
+              <a:gd name="connsiteX1" fmla="*/ 291112 w 8686017"/>
+              <a:gd name="connsiteY1" fmla="*/ 2324823 h 2386948"/>
+              <a:gd name="connsiteX2" fmla="*/ 722432 w 8686017"/>
+              <a:gd name="connsiteY2" fmla="*/ 1574325 h 2386948"/>
+              <a:gd name="connsiteX3" fmla="*/ 7821971 w 8686017"/>
+              <a:gd name="connsiteY3" fmla="*/ 1436301 h 2386948"/>
+              <a:gd name="connsiteX4" fmla="*/ 8244665 w 8686017"/>
+              <a:gd name="connsiteY4" fmla="*/ 133712 h 2386948"/>
+              <a:gd name="connsiteX5" fmla="*/ 5950038 w 8686017"/>
+              <a:gd name="connsiteY5" fmla="*/ 12944 h 2386948"/>
+            </a:gdLst>
+            <a:ahLst/>
+            <a:cxnLst>
+              <a:cxn ang="0">
+                <a:pos x="connsiteX0" y="connsiteY0"/>
+              </a:cxn>
+              <a:cxn ang="0">
+                <a:pos x="connsiteX1" y="connsiteY1"/>
+              </a:cxn>
+              <a:cxn ang="0">
+                <a:pos x="connsiteX2" y="connsiteY2"/>
+              </a:cxn>
+              <a:cxn ang="0">
+                <a:pos x="connsiteX3" y="connsiteY3"/>
+              </a:cxn>
+              <a:cxn ang="0">
+                <a:pos x="connsiteX4" y="connsiteY4"/>
+              </a:cxn>
+              <a:cxn ang="0">
+                <a:pos x="connsiteX5" y="connsiteY5"/>
+              </a:cxn>
+            </a:cxnLst>
+            <a:rect l="l" t="t" r="r" b="b"/>
+            <a:pathLst>
+              <a:path w="8686017" h="2386948">
+                <a:moveTo>
+                  <a:pt x="679300" y="2385208"/>
+                </a:moveTo>
+                <a:cubicBezTo>
+                  <a:pt x="384564" y="2389521"/>
+                  <a:pt x="465078" y="2390959"/>
+                  <a:pt x="291112" y="2324823"/>
+                </a:cubicBezTo>
+                <a:cubicBezTo>
+                  <a:pt x="212036" y="2293193"/>
+                  <a:pt x="-532711" y="1722412"/>
+                  <a:pt x="722432" y="1574325"/>
+                </a:cubicBezTo>
+                <a:cubicBezTo>
+                  <a:pt x="1977575" y="1426238"/>
+                  <a:pt x="6568266" y="1676403"/>
+                  <a:pt x="7821971" y="1436301"/>
+                </a:cubicBezTo>
+                <a:cubicBezTo>
+                  <a:pt x="9075676" y="1196199"/>
+                  <a:pt x="8730620" y="350810"/>
+                  <a:pt x="8244665" y="133712"/>
+                </a:cubicBezTo>
+                <a:cubicBezTo>
+                  <a:pt x="7758710" y="-83386"/>
+                  <a:pt x="6385672" y="34509"/>
+                  <a:pt x="5950038" y="12944"/>
+                </a:cubicBezTo>
+              </a:path>
+            </a:pathLst>
+          </a:custGeom>
+          <a:noFill/>
+        </p:spPr>
+        <p:style>
+          <a:lnRef idx="2">
+            <a:schemeClr val="accent1">
+              <a:shade val="50000"/>
+            </a:schemeClr>
+          </a:lnRef>
+          <a:fillRef idx="1">
+            <a:schemeClr val="accent1"/>
+          </a:fillRef>
+          <a:effectRef idx="0">
+            <a:schemeClr val="accent1"/>
+          </a:effectRef>
+          <a:fontRef idx="minor">
+            <a:schemeClr val="lt1"/>
+          </a:fontRef>
+        </p:style>
+        <p:txBody>
+          <a:bodyPr rtlCol="0" anchor="ctr"/>
+          <a:lstStyle/>
+          <a:p>
+            <a:pPr algn="ctr"/>
+            <a:endParaRPr kumimoji="1" lang="ja-JP" altLang="en-US" dirty="0"/>
+          </a:p>
+        </p:txBody>
+      </p:sp>
+      <p:sp>
+        <p:nvSpPr>
+          <p:cNvPr id="60" name="テキスト ボックス 59">
+            <a:extLst>
+              <a:ext uri="{FF2B5EF4-FFF2-40B4-BE49-F238E27FC236}">
+                <a16:creationId xmlns:a16="http://schemas.microsoft.com/office/drawing/2014/main" id="{602BE502-C52F-446E-8DD6-9E3C69ED2C0F}"/>
+              </a:ext>
+            </a:extLst>
+          </p:cNvPr>
+          <p:cNvSpPr txBox="1"/>
+          <p:nvPr/>
+        </p:nvSpPr>
+        <p:spPr>
+          <a:xfrm>
+            <a:off x="4908397" y="3247393"/>
+            <a:ext cx="2402039" cy="369332"/>
+          </a:xfrm>
+          <a:prstGeom prst="rect">
+            <a:avLst/>
+          </a:prstGeom>
+          <a:noFill/>
+        </p:spPr>
+        <p:txBody>
+          <a:bodyPr wrap="square" rtlCol="0">
+            <a:spAutoFit/>
+          </a:bodyPr>
+          <a:lstStyle/>
+          <a:p>
+            <a:r>
+              <a:rPr kumimoji="1" lang="ja-JP" altLang="en-US" dirty="0"/>
+              <a:t>同軸ケーブル</a:t>
+            </a:r>
+          </a:p>
+        </p:txBody>
+      </p:sp>
+      <p:sp>
+        <p:nvSpPr>
+          <p:cNvPr id="2" name="テキスト ボックス 1">
+            <a:extLst>
+              <a:ext uri="{FF2B5EF4-FFF2-40B4-BE49-F238E27FC236}">
+                <a16:creationId xmlns:a16="http://schemas.microsoft.com/office/drawing/2014/main" id="{788BA8D1-3A40-423D-B5F4-8275CB68B715}"/>
+              </a:ext>
+            </a:extLst>
+          </p:cNvPr>
+          <p:cNvSpPr txBox="1"/>
+          <p:nvPr/>
+        </p:nvSpPr>
+        <p:spPr>
+          <a:xfrm>
+            <a:off x="1241148" y="4732575"/>
+            <a:ext cx="785793" cy="246221"/>
+          </a:xfrm>
+          <a:prstGeom prst="rect">
+            <a:avLst/>
+          </a:prstGeom>
+          <a:noFill/>
+        </p:spPr>
+        <p:txBody>
+          <a:bodyPr wrap="square" rtlCol="0">
+            <a:spAutoFit/>
+          </a:bodyPr>
+          <a:lstStyle/>
+          <a:p>
+            <a:r>
+              <a:rPr lang="ja-JP" altLang="en-US" sz="1000" dirty="0"/>
+              <a:t>試料</a:t>
+            </a:r>
+            <a:endParaRPr kumimoji="1" lang="ja-JP" altLang="en-US" sz="1000" dirty="0"/>
+          </a:p>
+        </p:txBody>
+      </p:sp>
+    </p:spTree>
+    <p:extLst>
+      <p:ext uri="{BB962C8B-B14F-4D97-AF65-F5344CB8AC3E}">
+        <p14:creationId xmlns:p14="http://schemas.microsoft.com/office/powerpoint/2010/main" val="1037550478"/>
       </p:ext>
     </p:extLst>
   </p:cSld>
